--- a/PPT/ModernCppStudy_5_(8,16,17).pptx
+++ b/PPT/ModernCppStudy_5_(8,16,17).pptx
@@ -18,12 +18,15 @@
     <p:sldId id="266" r:id="rId12"/>
     <p:sldId id="267" r:id="rId13"/>
     <p:sldId id="268" r:id="rId14"/>
-    <p:sldId id="269" r:id="rId15"/>
-    <p:sldId id="270" r:id="rId16"/>
-    <p:sldId id="271" r:id="rId17"/>
-    <p:sldId id="272" r:id="rId18"/>
-    <p:sldId id="274" r:id="rId19"/>
-    <p:sldId id="273" r:id="rId20"/>
+    <p:sldId id="275" r:id="rId15"/>
+    <p:sldId id="269" r:id="rId16"/>
+    <p:sldId id="276" r:id="rId17"/>
+    <p:sldId id="270" r:id="rId18"/>
+    <p:sldId id="271" r:id="rId19"/>
+    <p:sldId id="272" r:id="rId20"/>
+    <p:sldId id="274" r:id="rId21"/>
+    <p:sldId id="273" r:id="rId22"/>
+    <p:sldId id="277" r:id="rId23"/>
   </p:sldIdLst>
   <p:sldSz cx="12192000" cy="6858000"/>
   <p:notesSz cx="6858000" cy="9144000"/>
@@ -122,6 +125,11 @@
       </a:defRPr>
     </a:lvl9pPr>
   </p:defaultTextStyle>
+  <p:extLst>
+    <p:ext uri="{EFAFB233-063F-42B5-8137-9DF3F51BA10A}">
+      <p15:sldGuideLst xmlns:p15="http://schemas.microsoft.com/office/powerpoint/2012/main"/>
+    </p:ext>
+  </p:extLst>
 </p:presentation>
 </file>
 
@@ -167,10 +175,9 @@
           </a:lstStyle>
           <a:p>
             <a:r>
-              <a:rPr lang="ko-KR" altLang="en-US" smtClean="0"/>
+              <a:rPr lang="ko-KR" altLang="en-US"/>
               <a:t>마스터 제목 스타일 편집</a:t>
             </a:r>
-            <a:endParaRPr lang="ko-KR" altLang="en-US"/>
           </a:p>
         </p:txBody>
       </p:sp>
@@ -232,10 +239,9 @@
           </a:lstStyle>
           <a:p>
             <a:r>
-              <a:rPr lang="ko-KR" altLang="en-US" smtClean="0"/>
+              <a:rPr lang="ko-KR" altLang="en-US"/>
               <a:t>마스터 부제목 스타일 편집</a:t>
             </a:r>
-            <a:endParaRPr lang="ko-KR" altLang="en-US"/>
           </a:p>
         </p:txBody>
       </p:sp>
@@ -350,10 +356,9 @@
           <a:lstStyle/>
           <a:p>
             <a:r>
-              <a:rPr lang="ko-KR" altLang="en-US" smtClean="0"/>
+              <a:rPr lang="ko-KR" altLang="en-US"/>
               <a:t>마스터 제목 스타일 편집</a:t>
             </a:r>
-            <a:endParaRPr lang="ko-KR" altLang="en-US"/>
           </a:p>
         </p:txBody>
       </p:sp>
@@ -374,38 +379,37 @@
           <a:p>
             <a:pPr lvl="0"/>
             <a:r>
-              <a:rPr lang="ko-KR" altLang="en-US" smtClean="0"/>
+              <a:rPr lang="ko-KR" altLang="en-US"/>
               <a:t>마스터 텍스트 스타일을 편집합니다</a:t>
             </a:r>
           </a:p>
           <a:p>
             <a:pPr lvl="1"/>
             <a:r>
-              <a:rPr lang="ko-KR" altLang="en-US" smtClean="0"/>
+              <a:rPr lang="ko-KR" altLang="en-US"/>
               <a:t>둘째 수준</a:t>
             </a:r>
           </a:p>
           <a:p>
             <a:pPr lvl="2"/>
             <a:r>
-              <a:rPr lang="ko-KR" altLang="en-US" smtClean="0"/>
+              <a:rPr lang="ko-KR" altLang="en-US"/>
               <a:t>셋째 수준</a:t>
             </a:r>
           </a:p>
           <a:p>
             <a:pPr lvl="3"/>
             <a:r>
-              <a:rPr lang="ko-KR" altLang="en-US" smtClean="0"/>
+              <a:rPr lang="ko-KR" altLang="en-US"/>
               <a:t>넷째 수준</a:t>
             </a:r>
           </a:p>
           <a:p>
             <a:pPr lvl="4"/>
             <a:r>
-              <a:rPr lang="ko-KR" altLang="en-US" smtClean="0"/>
+              <a:rPr lang="ko-KR" altLang="en-US"/>
               <a:t>다섯째 수준</a:t>
             </a:r>
-            <a:endParaRPr lang="ko-KR" altLang="en-US"/>
           </a:p>
         </p:txBody>
       </p:sp>
@@ -525,10 +529,9 @@
           <a:lstStyle/>
           <a:p>
             <a:r>
-              <a:rPr lang="ko-KR" altLang="en-US" smtClean="0"/>
+              <a:rPr lang="ko-KR" altLang="en-US"/>
               <a:t>마스터 제목 스타일 편집</a:t>
             </a:r>
-            <a:endParaRPr lang="ko-KR" altLang="en-US"/>
           </a:p>
         </p:txBody>
       </p:sp>
@@ -554,38 +557,37 @@
           <a:p>
             <a:pPr lvl="0"/>
             <a:r>
-              <a:rPr lang="ko-KR" altLang="en-US" smtClean="0"/>
+              <a:rPr lang="ko-KR" altLang="en-US"/>
               <a:t>마스터 텍스트 스타일을 편집합니다</a:t>
             </a:r>
           </a:p>
           <a:p>
             <a:pPr lvl="1"/>
             <a:r>
-              <a:rPr lang="ko-KR" altLang="en-US" smtClean="0"/>
+              <a:rPr lang="ko-KR" altLang="en-US"/>
               <a:t>둘째 수준</a:t>
             </a:r>
           </a:p>
           <a:p>
             <a:pPr lvl="2"/>
             <a:r>
-              <a:rPr lang="ko-KR" altLang="en-US" smtClean="0"/>
+              <a:rPr lang="ko-KR" altLang="en-US"/>
               <a:t>셋째 수준</a:t>
             </a:r>
           </a:p>
           <a:p>
             <a:pPr lvl="3"/>
             <a:r>
-              <a:rPr lang="ko-KR" altLang="en-US" smtClean="0"/>
+              <a:rPr lang="ko-KR" altLang="en-US"/>
               <a:t>넷째 수준</a:t>
             </a:r>
           </a:p>
           <a:p>
             <a:pPr lvl="4"/>
             <a:r>
-              <a:rPr lang="ko-KR" altLang="en-US" smtClean="0"/>
+              <a:rPr lang="ko-KR" altLang="en-US"/>
               <a:t>다섯째 수준</a:t>
             </a:r>
-            <a:endParaRPr lang="ko-KR" altLang="en-US"/>
           </a:p>
         </p:txBody>
       </p:sp>
@@ -700,10 +702,9 @@
           <a:lstStyle/>
           <a:p>
             <a:r>
-              <a:rPr lang="ko-KR" altLang="en-US" smtClean="0"/>
+              <a:rPr lang="ko-KR" altLang="en-US"/>
               <a:t>마스터 제목 스타일 편집</a:t>
             </a:r>
-            <a:endParaRPr lang="ko-KR" altLang="en-US"/>
           </a:p>
         </p:txBody>
       </p:sp>
@@ -724,38 +725,37 @@
           <a:p>
             <a:pPr lvl="0"/>
             <a:r>
-              <a:rPr lang="ko-KR" altLang="en-US" smtClean="0"/>
+              <a:rPr lang="ko-KR" altLang="en-US"/>
               <a:t>마스터 텍스트 스타일을 편집합니다</a:t>
             </a:r>
           </a:p>
           <a:p>
             <a:pPr lvl="1"/>
             <a:r>
-              <a:rPr lang="ko-KR" altLang="en-US" smtClean="0"/>
+              <a:rPr lang="ko-KR" altLang="en-US"/>
               <a:t>둘째 수준</a:t>
             </a:r>
           </a:p>
           <a:p>
             <a:pPr lvl="2"/>
             <a:r>
-              <a:rPr lang="ko-KR" altLang="en-US" smtClean="0"/>
+              <a:rPr lang="ko-KR" altLang="en-US"/>
               <a:t>셋째 수준</a:t>
             </a:r>
           </a:p>
           <a:p>
             <a:pPr lvl="3"/>
             <a:r>
-              <a:rPr lang="ko-KR" altLang="en-US" smtClean="0"/>
+              <a:rPr lang="ko-KR" altLang="en-US"/>
               <a:t>넷째 수준</a:t>
             </a:r>
           </a:p>
           <a:p>
             <a:pPr lvl="4"/>
             <a:r>
-              <a:rPr lang="ko-KR" altLang="en-US" smtClean="0"/>
+              <a:rPr lang="ko-KR" altLang="en-US"/>
               <a:t>다섯째 수준</a:t>
             </a:r>
-            <a:endParaRPr lang="ko-KR" altLang="en-US"/>
           </a:p>
         </p:txBody>
       </p:sp>
@@ -879,10 +879,9 @@
           </a:lstStyle>
           <a:p>
             <a:r>
-              <a:rPr lang="ko-KR" altLang="en-US" smtClean="0"/>
+              <a:rPr lang="ko-KR" altLang="en-US"/>
               <a:t>마스터 제목 스타일 편집</a:t>
             </a:r>
-            <a:endParaRPr lang="ko-KR" altLang="en-US"/>
           </a:p>
         </p:txBody>
       </p:sp>
@@ -999,7 +998,7 @@
           <a:p>
             <a:pPr lvl="0"/>
             <a:r>
-              <a:rPr lang="ko-KR" altLang="en-US" smtClean="0"/>
+              <a:rPr lang="ko-KR" altLang="en-US"/>
               <a:t>마스터 텍스트 스타일을 편집합니다</a:t>
             </a:r>
           </a:p>
@@ -1116,10 +1115,9 @@
           <a:lstStyle/>
           <a:p>
             <a:r>
-              <a:rPr lang="ko-KR" altLang="en-US" smtClean="0"/>
+              <a:rPr lang="ko-KR" altLang="en-US"/>
               <a:t>마스터 제목 스타일 편집</a:t>
             </a:r>
-            <a:endParaRPr lang="ko-KR" altLang="en-US"/>
           </a:p>
         </p:txBody>
       </p:sp>
@@ -1145,38 +1143,37 @@
           <a:p>
             <a:pPr lvl="0"/>
             <a:r>
-              <a:rPr lang="ko-KR" altLang="en-US" smtClean="0"/>
+              <a:rPr lang="ko-KR" altLang="en-US"/>
               <a:t>마스터 텍스트 스타일을 편집합니다</a:t>
             </a:r>
           </a:p>
           <a:p>
             <a:pPr lvl="1"/>
             <a:r>
-              <a:rPr lang="ko-KR" altLang="en-US" smtClean="0"/>
+              <a:rPr lang="ko-KR" altLang="en-US"/>
               <a:t>둘째 수준</a:t>
             </a:r>
           </a:p>
           <a:p>
             <a:pPr lvl="2"/>
             <a:r>
-              <a:rPr lang="ko-KR" altLang="en-US" smtClean="0"/>
+              <a:rPr lang="ko-KR" altLang="en-US"/>
               <a:t>셋째 수준</a:t>
             </a:r>
           </a:p>
           <a:p>
             <a:pPr lvl="3"/>
             <a:r>
-              <a:rPr lang="ko-KR" altLang="en-US" smtClean="0"/>
+              <a:rPr lang="ko-KR" altLang="en-US"/>
               <a:t>넷째 수준</a:t>
             </a:r>
           </a:p>
           <a:p>
             <a:pPr lvl="4"/>
             <a:r>
-              <a:rPr lang="ko-KR" altLang="en-US" smtClean="0"/>
+              <a:rPr lang="ko-KR" altLang="en-US"/>
               <a:t>다섯째 수준</a:t>
             </a:r>
-            <a:endParaRPr lang="ko-KR" altLang="en-US"/>
           </a:p>
         </p:txBody>
       </p:sp>
@@ -1202,38 +1199,37 @@
           <a:p>
             <a:pPr lvl="0"/>
             <a:r>
-              <a:rPr lang="ko-KR" altLang="en-US" smtClean="0"/>
+              <a:rPr lang="ko-KR" altLang="en-US"/>
               <a:t>마스터 텍스트 스타일을 편집합니다</a:t>
             </a:r>
           </a:p>
           <a:p>
             <a:pPr lvl="1"/>
             <a:r>
-              <a:rPr lang="ko-KR" altLang="en-US" smtClean="0"/>
+              <a:rPr lang="ko-KR" altLang="en-US"/>
               <a:t>둘째 수준</a:t>
             </a:r>
           </a:p>
           <a:p>
             <a:pPr lvl="2"/>
             <a:r>
-              <a:rPr lang="ko-KR" altLang="en-US" smtClean="0"/>
+              <a:rPr lang="ko-KR" altLang="en-US"/>
               <a:t>셋째 수준</a:t>
             </a:r>
           </a:p>
           <a:p>
             <a:pPr lvl="3"/>
             <a:r>
-              <a:rPr lang="ko-KR" altLang="en-US" smtClean="0"/>
+              <a:rPr lang="ko-KR" altLang="en-US"/>
               <a:t>넷째 수준</a:t>
             </a:r>
           </a:p>
           <a:p>
             <a:pPr lvl="4"/>
             <a:r>
-              <a:rPr lang="ko-KR" altLang="en-US" smtClean="0"/>
+              <a:rPr lang="ko-KR" altLang="en-US"/>
               <a:t>다섯째 수준</a:t>
             </a:r>
-            <a:endParaRPr lang="ko-KR" altLang="en-US"/>
           </a:p>
         </p:txBody>
       </p:sp>
@@ -1353,10 +1349,9 @@
           <a:lstStyle/>
           <a:p>
             <a:r>
-              <a:rPr lang="ko-KR" altLang="en-US" smtClean="0"/>
+              <a:rPr lang="ko-KR" altLang="en-US"/>
               <a:t>마스터 제목 스타일 편집</a:t>
             </a:r>
-            <a:endParaRPr lang="ko-KR" altLang="en-US"/>
           </a:p>
         </p:txBody>
       </p:sp>
@@ -1419,7 +1414,7 @@
           <a:p>
             <a:pPr lvl="0"/>
             <a:r>
-              <a:rPr lang="ko-KR" altLang="en-US" smtClean="0"/>
+              <a:rPr lang="ko-KR" altLang="en-US"/>
               <a:t>마스터 텍스트 스타일을 편집합니다</a:t>
             </a:r>
           </a:p>
@@ -1447,38 +1442,37 @@
           <a:p>
             <a:pPr lvl="0"/>
             <a:r>
-              <a:rPr lang="ko-KR" altLang="en-US" smtClean="0"/>
+              <a:rPr lang="ko-KR" altLang="en-US"/>
               <a:t>마스터 텍스트 스타일을 편집합니다</a:t>
             </a:r>
           </a:p>
           <a:p>
             <a:pPr lvl="1"/>
             <a:r>
-              <a:rPr lang="ko-KR" altLang="en-US" smtClean="0"/>
+              <a:rPr lang="ko-KR" altLang="en-US"/>
               <a:t>둘째 수준</a:t>
             </a:r>
           </a:p>
           <a:p>
             <a:pPr lvl="2"/>
             <a:r>
-              <a:rPr lang="ko-KR" altLang="en-US" smtClean="0"/>
+              <a:rPr lang="ko-KR" altLang="en-US"/>
               <a:t>셋째 수준</a:t>
             </a:r>
           </a:p>
           <a:p>
             <a:pPr lvl="3"/>
             <a:r>
-              <a:rPr lang="ko-KR" altLang="en-US" smtClean="0"/>
+              <a:rPr lang="ko-KR" altLang="en-US"/>
               <a:t>넷째 수준</a:t>
             </a:r>
           </a:p>
           <a:p>
             <a:pPr lvl="4"/>
             <a:r>
-              <a:rPr lang="ko-KR" altLang="en-US" smtClean="0"/>
+              <a:rPr lang="ko-KR" altLang="en-US"/>
               <a:t>다섯째 수준</a:t>
             </a:r>
-            <a:endParaRPr lang="ko-KR" altLang="en-US"/>
           </a:p>
         </p:txBody>
       </p:sp>
@@ -1541,7 +1535,7 @@
           <a:p>
             <a:pPr lvl="0"/>
             <a:r>
-              <a:rPr lang="ko-KR" altLang="en-US" smtClean="0"/>
+              <a:rPr lang="ko-KR" altLang="en-US"/>
               <a:t>마스터 텍스트 스타일을 편집합니다</a:t>
             </a:r>
           </a:p>
@@ -1569,38 +1563,37 @@
           <a:p>
             <a:pPr lvl="0"/>
             <a:r>
-              <a:rPr lang="ko-KR" altLang="en-US" smtClean="0"/>
+              <a:rPr lang="ko-KR" altLang="en-US"/>
               <a:t>마스터 텍스트 스타일을 편집합니다</a:t>
             </a:r>
           </a:p>
           <a:p>
             <a:pPr lvl="1"/>
             <a:r>
-              <a:rPr lang="ko-KR" altLang="en-US" smtClean="0"/>
+              <a:rPr lang="ko-KR" altLang="en-US"/>
               <a:t>둘째 수준</a:t>
             </a:r>
           </a:p>
           <a:p>
             <a:pPr lvl="2"/>
             <a:r>
-              <a:rPr lang="ko-KR" altLang="en-US" smtClean="0"/>
+              <a:rPr lang="ko-KR" altLang="en-US"/>
               <a:t>셋째 수준</a:t>
             </a:r>
           </a:p>
           <a:p>
             <a:pPr lvl="3"/>
             <a:r>
-              <a:rPr lang="ko-KR" altLang="en-US" smtClean="0"/>
+              <a:rPr lang="ko-KR" altLang="en-US"/>
               <a:t>넷째 수준</a:t>
             </a:r>
           </a:p>
           <a:p>
             <a:pPr lvl="4"/>
             <a:r>
-              <a:rPr lang="ko-KR" altLang="en-US" smtClean="0"/>
+              <a:rPr lang="ko-KR" altLang="en-US"/>
               <a:t>다섯째 수준</a:t>
             </a:r>
-            <a:endParaRPr lang="ko-KR" altLang="en-US"/>
           </a:p>
         </p:txBody>
       </p:sp>
@@ -1715,10 +1708,9 @@
           <a:lstStyle/>
           <a:p>
             <a:r>
-              <a:rPr lang="ko-KR" altLang="en-US" smtClean="0"/>
+              <a:rPr lang="ko-KR" altLang="en-US"/>
               <a:t>마스터 제목 스타일 편집</a:t>
             </a:r>
-            <a:endParaRPr lang="ko-KR" altLang="en-US"/>
           </a:p>
         </p:txBody>
       </p:sp>
@@ -1937,10 +1929,9 @@
           </a:lstStyle>
           <a:p>
             <a:r>
-              <a:rPr lang="ko-KR" altLang="en-US" smtClean="0"/>
+              <a:rPr lang="ko-KR" altLang="en-US"/>
               <a:t>마스터 제목 스타일 편집</a:t>
             </a:r>
-            <a:endParaRPr lang="ko-KR" altLang="en-US"/>
           </a:p>
         </p:txBody>
       </p:sp>
@@ -1994,38 +1985,37 @@
           <a:p>
             <a:pPr lvl="0"/>
             <a:r>
-              <a:rPr lang="ko-KR" altLang="en-US" smtClean="0"/>
+              <a:rPr lang="ko-KR" altLang="en-US"/>
               <a:t>마스터 텍스트 스타일을 편집합니다</a:t>
             </a:r>
           </a:p>
           <a:p>
             <a:pPr lvl="1"/>
             <a:r>
-              <a:rPr lang="ko-KR" altLang="en-US" smtClean="0"/>
+              <a:rPr lang="ko-KR" altLang="en-US"/>
               <a:t>둘째 수준</a:t>
             </a:r>
           </a:p>
           <a:p>
             <a:pPr lvl="2"/>
             <a:r>
-              <a:rPr lang="ko-KR" altLang="en-US" smtClean="0"/>
+              <a:rPr lang="ko-KR" altLang="en-US"/>
               <a:t>셋째 수준</a:t>
             </a:r>
           </a:p>
           <a:p>
             <a:pPr lvl="3"/>
             <a:r>
-              <a:rPr lang="ko-KR" altLang="en-US" smtClean="0"/>
+              <a:rPr lang="ko-KR" altLang="en-US"/>
               <a:t>넷째 수준</a:t>
             </a:r>
           </a:p>
           <a:p>
             <a:pPr lvl="4"/>
             <a:r>
-              <a:rPr lang="ko-KR" altLang="en-US" smtClean="0"/>
+              <a:rPr lang="ko-KR" altLang="en-US"/>
               <a:t>다섯째 수준</a:t>
             </a:r>
-            <a:endParaRPr lang="ko-KR" altLang="en-US"/>
           </a:p>
         </p:txBody>
       </p:sp>
@@ -2088,7 +2078,7 @@
           <a:p>
             <a:pPr lvl="0"/>
             <a:r>
-              <a:rPr lang="ko-KR" altLang="en-US" smtClean="0"/>
+              <a:rPr lang="ko-KR" altLang="en-US"/>
               <a:t>마스터 텍스트 스타일을 편집합니다</a:t>
             </a:r>
           </a:p>
@@ -2214,10 +2204,9 @@
           </a:lstStyle>
           <a:p>
             <a:r>
-              <a:rPr lang="ko-KR" altLang="en-US" smtClean="0"/>
+              <a:rPr lang="ko-KR" altLang="en-US"/>
               <a:t>마스터 제목 스타일 편집</a:t>
             </a:r>
-            <a:endParaRPr lang="ko-KR" altLang="en-US"/>
           </a:p>
         </p:txBody>
       </p:sp>
@@ -2341,7 +2330,7 @@
           <a:p>
             <a:pPr lvl="0"/>
             <a:r>
-              <a:rPr lang="ko-KR" altLang="en-US" smtClean="0"/>
+              <a:rPr lang="ko-KR" altLang="en-US"/>
               <a:t>마스터 텍스트 스타일을 편집합니다</a:t>
             </a:r>
           </a:p>
@@ -2473,10 +2462,9 @@
           <a:lstStyle/>
           <a:p>
             <a:r>
-              <a:rPr lang="ko-KR" altLang="en-US" smtClean="0"/>
+              <a:rPr lang="ko-KR" altLang="en-US"/>
               <a:t>마스터 제목 스타일 편집</a:t>
             </a:r>
-            <a:endParaRPr lang="ko-KR" altLang="en-US"/>
           </a:p>
         </p:txBody>
       </p:sp>
@@ -2507,38 +2495,37 @@
           <a:p>
             <a:pPr lvl="0"/>
             <a:r>
-              <a:rPr lang="ko-KR" altLang="en-US" smtClean="0"/>
+              <a:rPr lang="ko-KR" altLang="en-US"/>
               <a:t>마스터 텍스트 스타일을 편집합니다</a:t>
             </a:r>
           </a:p>
           <a:p>
             <a:pPr lvl="1"/>
             <a:r>
-              <a:rPr lang="ko-KR" altLang="en-US" smtClean="0"/>
+              <a:rPr lang="ko-KR" altLang="en-US"/>
               <a:t>둘째 수준</a:t>
             </a:r>
           </a:p>
           <a:p>
             <a:pPr lvl="2"/>
             <a:r>
-              <a:rPr lang="ko-KR" altLang="en-US" smtClean="0"/>
+              <a:rPr lang="ko-KR" altLang="en-US"/>
               <a:t>셋째 수준</a:t>
             </a:r>
           </a:p>
           <a:p>
             <a:pPr lvl="3"/>
             <a:r>
-              <a:rPr lang="ko-KR" altLang="en-US" smtClean="0"/>
+              <a:rPr lang="ko-KR" altLang="en-US"/>
               <a:t>넷째 수준</a:t>
             </a:r>
           </a:p>
           <a:p>
             <a:pPr lvl="4"/>
             <a:r>
-              <a:rPr lang="ko-KR" altLang="en-US" smtClean="0"/>
+              <a:rPr lang="ko-KR" altLang="en-US"/>
               <a:t>다섯째 수준</a:t>
             </a:r>
-            <a:endParaRPr lang="ko-KR" altLang="en-US"/>
           </a:p>
         </p:txBody>
       </p:sp>
@@ -2998,19 +2985,19 @@
           <a:lstStyle/>
           <a:p>
             <a:r>
-              <a:rPr lang="ko-KR" altLang="en-US" dirty="0" smtClean="0"/>
+              <a:rPr lang="ko-KR" altLang="en-US" dirty="0"/>
               <a:t>효율적인 모</a:t>
             </a:r>
             <a:r>
-              <a:rPr lang="en-US" altLang="ko-KR" dirty="0" smtClean="0"/>
+              <a:rPr lang="en-US" altLang="ko-KR" dirty="0"/>
               <a:t>-</a:t>
             </a:r>
             <a:r>
-              <a:rPr lang="ko-KR" altLang="en-US" smtClean="0"/>
+              <a:rPr lang="ko-KR" altLang="en-US"/>
               <a:t>던 </a:t>
             </a:r>
             <a:r>
-              <a:rPr lang="en-US" altLang="ko-KR" dirty="0" smtClean="0"/>
+              <a:rPr lang="en-US" altLang="ko-KR" dirty="0"/>
               <a:t>C++</a:t>
             </a:r>
             <a:endParaRPr lang="ko-KR" altLang="en-US"/>
@@ -3033,60 +3020,59 @@
           <a:lstStyle/>
           <a:p>
             <a:r>
-              <a:rPr lang="en-US" altLang="ko-KR" dirty="0" smtClean="0"/>
+              <a:rPr lang="en-US" altLang="ko-KR" dirty="0"/>
               <a:t>8. 0</a:t>
             </a:r>
             <a:r>
-              <a:rPr lang="ko-KR" altLang="en-US" smtClean="0"/>
+              <a:rPr lang="ko-KR" altLang="en-US"/>
               <a:t>과 </a:t>
             </a:r>
             <a:r>
-              <a:rPr lang="en-US" altLang="ko-KR" dirty="0" smtClean="0"/>
+              <a:rPr lang="en-US" altLang="ko-KR" dirty="0"/>
               <a:t>NULL</a:t>
             </a:r>
             <a:r>
-              <a:rPr lang="ko-KR" altLang="en-US" smtClean="0"/>
+              <a:rPr lang="ko-KR" altLang="en-US"/>
               <a:t>보다 </a:t>
             </a:r>
             <a:r>
-              <a:rPr lang="en-US" altLang="ko-KR" dirty="0" err="1" smtClean="0"/>
+              <a:rPr lang="en-US" altLang="ko-KR" dirty="0" err="1"/>
               <a:t>nullptr</a:t>
             </a:r>
             <a:r>
-              <a:rPr lang="ko-KR" altLang="en-US" smtClean="0"/>
+              <a:rPr lang="ko-KR" altLang="en-US"/>
               <a:t>을 선호하라</a:t>
             </a:r>
-            <a:endParaRPr lang="en-US" altLang="ko-KR" dirty="0" smtClean="0"/>
-          </a:p>
-          <a:p>
-            <a:r>
-              <a:rPr lang="en-US" altLang="ko-KR" dirty="0" smtClean="0"/>
+            <a:endParaRPr lang="en-US" altLang="ko-KR" dirty="0"/>
+          </a:p>
+          <a:p>
+            <a:r>
+              <a:rPr lang="en-US" altLang="ko-KR" dirty="0"/>
               <a:t>16. </a:t>
             </a:r>
             <a:r>
-              <a:rPr lang="en-US" altLang="ko-KR" dirty="0" err="1" smtClean="0"/>
+              <a:rPr lang="en-US" altLang="ko-KR" dirty="0" err="1"/>
               <a:t>const</a:t>
             </a:r>
             <a:r>
-              <a:rPr lang="en-US" altLang="ko-KR" dirty="0" smtClean="0"/>
+              <a:rPr lang="en-US" altLang="ko-KR" dirty="0"/>
               <a:t> </a:t>
             </a:r>
             <a:r>
-              <a:rPr lang="ko-KR" altLang="en-US" smtClean="0"/>
+              <a:rPr lang="ko-KR" altLang="en-US"/>
               <a:t>멤버 함수를 스레드에 안전하게 작성하라</a:t>
             </a:r>
-            <a:endParaRPr lang="en-US" altLang="ko-KR" dirty="0" smtClean="0"/>
-          </a:p>
-          <a:p>
-            <a:r>
-              <a:rPr lang="en-US" altLang="ko-KR" dirty="0" smtClean="0"/>
+            <a:endParaRPr lang="en-US" altLang="ko-KR" dirty="0"/>
+          </a:p>
+          <a:p>
+            <a:r>
+              <a:rPr lang="en-US" altLang="ko-KR" dirty="0"/>
               <a:t>17. </a:t>
             </a:r>
             <a:r>
-              <a:rPr lang="ko-KR" altLang="en-US" smtClean="0"/>
+              <a:rPr lang="ko-KR" altLang="en-US"/>
               <a:t>특수 멤버 함수들의 자동 작성 조건을 숙지하라</a:t>
             </a:r>
-            <a:endParaRPr lang="ko-KR" altLang="en-US"/>
           </a:p>
         </p:txBody>
       </p:sp>
@@ -3113,7 +3099,7 @@
           <a:lstStyle/>
           <a:p>
             <a:r>
-              <a:rPr lang="ko-KR" altLang="en-US" dirty="0" smtClean="0">
+              <a:rPr lang="ko-KR" altLang="en-US" dirty="0">
                 <a:solidFill>
                   <a:schemeClr val="bg1">
                     <a:lumMod val="75000"/>
@@ -3123,7 +3109,7 @@
               <a:t>디자인이 뭐죠</a:t>
             </a:r>
             <a:r>
-              <a:rPr lang="en-US" altLang="ko-KR" dirty="0" smtClean="0">
+              <a:rPr lang="en-US" altLang="ko-KR" dirty="0">
                 <a:solidFill>
                   <a:schemeClr val="bg1">
                     <a:lumMod val="75000"/>
@@ -3133,7 +3119,7 @@
               <a:t>? </a:t>
             </a:r>
             <a:r>
-              <a:rPr lang="ko-KR" altLang="en-US" smtClean="0">
+              <a:rPr lang="ko-KR" altLang="en-US">
                 <a:solidFill>
                   <a:schemeClr val="bg1">
                     <a:lumMod val="75000"/>
@@ -3143,7 +3129,7 @@
               <a:t>먹는건가요</a:t>
             </a:r>
             <a:r>
-              <a:rPr lang="en-US" altLang="ko-KR" dirty="0" smtClean="0">
+              <a:rPr lang="en-US" altLang="ko-KR" dirty="0">
                 <a:solidFill>
                   <a:schemeClr val="bg1">
                     <a:lumMod val="75000"/>
@@ -3172,13 +3158,6 @@
   <p:clrMapOvr>
     <a:masterClrMapping/>
   </p:clrMapOvr>
-  <p:timing>
-    <p:tnLst>
-      <p:par>
-        <p:cTn id="1" dur="indefinite" restart="never" nodeType="tmRoot"/>
-      </p:par>
-    </p:tnLst>
-  </p:timing>
 </p:sld>
 </file>
 
@@ -3215,11 +3194,11 @@
           <a:lstStyle/>
           <a:p>
             <a:r>
-              <a:rPr lang="ko-KR" altLang="en-US" dirty="0" smtClean="0"/>
+              <a:rPr lang="ko-KR" altLang="en-US" dirty="0"/>
               <a:t>문제의 </a:t>
             </a:r>
             <a:r>
-              <a:rPr lang="en-US" altLang="ko-KR" dirty="0" smtClean="0"/>
+              <a:rPr lang="en-US" altLang="ko-KR" dirty="0"/>
               <a:t>Class</a:t>
             </a:r>
             <a:endParaRPr lang="ko-KR" altLang="en-US"/>
@@ -3247,69 +3226,69 @@
           <a:lstStyle/>
           <a:p>
             <a:r>
-              <a:rPr lang="ko-KR" altLang="en-US" dirty="0" smtClean="0"/>
+              <a:rPr lang="ko-KR" altLang="en-US" dirty="0"/>
               <a:t>딱 봐도 </a:t>
             </a:r>
             <a:r>
-              <a:rPr lang="ko-KR" altLang="en-US" dirty="0" err="1" smtClean="0"/>
+              <a:rPr lang="ko-KR" altLang="en-US" dirty="0" err="1"/>
               <a:t>스레드</a:t>
             </a:r>
             <a:r>
-              <a:rPr lang="ko-KR" altLang="en-US" dirty="0" smtClean="0"/>
+              <a:rPr lang="ko-KR" altLang="en-US" dirty="0"/>
               <a:t> </a:t>
             </a:r>
             <a:r>
-              <a:rPr lang="en-US" altLang="ko-KR" dirty="0" smtClean="0"/>
+              <a:rPr lang="en-US" altLang="ko-KR" dirty="0"/>
               <a:t>2</a:t>
             </a:r>
             <a:r>
-              <a:rPr lang="ko-KR" altLang="en-US" smtClean="0"/>
+              <a:rPr lang="ko-KR" altLang="en-US"/>
               <a:t>개 이상에서 동시에 </a:t>
             </a:r>
             <a:r>
-              <a:rPr lang="en-US" altLang="ko-KR" dirty="0" smtClean="0"/>
+              <a:rPr lang="en-US" altLang="ko-KR" dirty="0"/>
               <a:t>roots()</a:t>
             </a:r>
             <a:r>
-              <a:rPr lang="ko-KR" altLang="en-US" smtClean="0"/>
+              <a:rPr lang="ko-KR" altLang="en-US"/>
               <a:t>를 호출하면 문제가 생기게 생겼다</a:t>
             </a:r>
             <a:r>
-              <a:rPr lang="en-US" altLang="ko-KR" dirty="0" smtClean="0"/>
+              <a:rPr lang="en-US" altLang="ko-KR" dirty="0"/>
               <a:t>.</a:t>
             </a:r>
           </a:p>
           <a:p>
             <a:r>
-              <a:rPr lang="ko-KR" altLang="en-US" dirty="0" smtClean="0"/>
+              <a:rPr lang="ko-KR" altLang="en-US" dirty="0"/>
               <a:t>동시에 </a:t>
             </a:r>
             <a:r>
-              <a:rPr lang="en-US" altLang="ko-KR" dirty="0" err="1" smtClean="0"/>
+              <a:rPr lang="en-US" altLang="ko-KR" dirty="0" err="1"/>
               <a:t>rootAreValid</a:t>
             </a:r>
             <a:r>
-              <a:rPr lang="ko-KR" altLang="en-US" smtClean="0"/>
+              <a:rPr lang="ko-KR" altLang="en-US"/>
               <a:t>를 </a:t>
             </a:r>
             <a:r>
-              <a:rPr lang="en-US" altLang="ko-KR" dirty="0" smtClean="0"/>
+              <a:rPr lang="en-US" altLang="ko-KR" dirty="0"/>
               <a:t>false</a:t>
             </a:r>
             <a:r>
-              <a:rPr lang="ko-KR" altLang="en-US" smtClean="0"/>
+              <a:rPr lang="ko-KR" altLang="en-US"/>
               <a:t>로 판단하면 뭔가의 계산을 각자 다 할 것이고 </a:t>
             </a:r>
             <a:r>
-              <a:rPr lang="en-US" altLang="ko-KR" dirty="0" err="1" smtClean="0"/>
+              <a:rPr lang="en-US" altLang="ko-KR" dirty="0" err="1"/>
               <a:t>rootVals</a:t>
             </a:r>
             <a:r>
-              <a:rPr lang="ko-KR" altLang="en-US" smtClean="0"/>
+              <a:rPr lang="ko-KR" altLang="en-US"/>
               <a:t>은 각각 다른 값을 반환할 것이다</a:t>
             </a:r>
             <a:r>
-              <a:rPr lang="en-US" altLang="ko-KR" dirty="0" smtClean="0"/>
+              <a:rPr lang="en-US" altLang="ko-KR" dirty="0"/>
               <a:t>.</a:t>
             </a:r>
             <a:endParaRPr lang="ko-KR" altLang="en-US"/>
@@ -3386,15 +3365,15 @@
           <a:lstStyle/>
           <a:p>
             <a:r>
-              <a:rPr lang="ko-KR" altLang="en-US" dirty="0" smtClean="0"/>
+              <a:rPr lang="ko-KR" altLang="en-US" dirty="0"/>
               <a:t>해결책 </a:t>
             </a:r>
             <a:r>
-              <a:rPr lang="en-US" altLang="ko-KR" dirty="0" smtClean="0"/>
+              <a:rPr lang="en-US" altLang="ko-KR" dirty="0"/>
               <a:t>1 : </a:t>
             </a:r>
             <a:r>
-              <a:rPr lang="en-US" altLang="ko-KR" dirty="0" err="1" smtClean="0"/>
+              <a:rPr lang="en-US" altLang="ko-KR" dirty="0" err="1"/>
               <a:t>mutex</a:t>
             </a:r>
             <a:endParaRPr lang="ko-KR" altLang="en-US"/>
@@ -3422,66 +3401,65 @@
           <a:lstStyle/>
           <a:p>
             <a:r>
-              <a:rPr lang="ko-KR" altLang="en-US" dirty="0" smtClean="0"/>
+              <a:rPr lang="ko-KR" altLang="en-US" dirty="0"/>
               <a:t>이럴 때 쓰라고 만들어 놓은 것이 </a:t>
             </a:r>
             <a:r>
-              <a:rPr lang="ko-KR" altLang="en-US" dirty="0" err="1" smtClean="0"/>
+              <a:rPr lang="ko-KR" altLang="en-US" dirty="0" err="1"/>
               <a:t>뮤텍스</a:t>
             </a:r>
             <a:r>
-              <a:rPr lang="en-US" altLang="ko-KR" dirty="0" smtClean="0"/>
+              <a:rPr lang="en-US" altLang="ko-KR" dirty="0"/>
               <a:t>.</a:t>
             </a:r>
           </a:p>
           <a:p>
             <a:r>
-              <a:rPr lang="ko-KR" altLang="en-US" dirty="0" smtClean="0"/>
+              <a:rPr lang="ko-KR" altLang="en-US" dirty="0"/>
               <a:t>저렇게 벽을 치면 동일한 </a:t>
             </a:r>
             <a:r>
-              <a:rPr lang="ko-KR" altLang="en-US" dirty="0" err="1" smtClean="0"/>
+              <a:rPr lang="ko-KR" altLang="en-US" dirty="0" err="1"/>
               <a:t>뮤텍스를</a:t>
             </a:r>
             <a:r>
-              <a:rPr lang="ko-KR" altLang="en-US" dirty="0" smtClean="0"/>
+              <a:rPr lang="ko-KR" altLang="en-US" dirty="0"/>
               <a:t> 사용하는 경우에는 벽에 막혀서 진행이 안 됨</a:t>
             </a:r>
             <a:r>
-              <a:rPr lang="en-US" altLang="ko-KR" dirty="0" smtClean="0"/>
+              <a:rPr lang="en-US" altLang="ko-KR" dirty="0"/>
               <a:t>! </a:t>
             </a:r>
             <a:r>
-              <a:rPr lang="ko-KR" altLang="en-US" smtClean="0"/>
+              <a:rPr lang="ko-KR" altLang="en-US"/>
               <a:t>저 가드가 풀려야 다른 스레드에서 진행이 가능하다</a:t>
             </a:r>
             <a:r>
-              <a:rPr lang="en-US" altLang="ko-KR" dirty="0" smtClean="0"/>
+              <a:rPr lang="en-US" altLang="ko-KR" dirty="0"/>
               <a:t>!</a:t>
             </a:r>
             <a:br>
-              <a:rPr lang="en-US" altLang="ko-KR" dirty="0" smtClean="0"/>
+              <a:rPr lang="en-US" altLang="ko-KR" dirty="0"/>
             </a:br>
-            <a:endParaRPr lang="en-US" altLang="ko-KR" dirty="0" smtClean="0"/>
-          </a:p>
-          <a:p>
-            <a:r>
-              <a:rPr lang="ko-KR" altLang="en-US" dirty="0" smtClean="0"/>
+            <a:endParaRPr lang="en-US" altLang="ko-KR" dirty="0"/>
+          </a:p>
+          <a:p>
+            <a:r>
+              <a:rPr lang="ko-KR" altLang="en-US" dirty="0"/>
               <a:t>주의</a:t>
             </a:r>
             <a:r>
-              <a:rPr lang="en-US" altLang="ko-KR" dirty="0" smtClean="0"/>
+              <a:rPr lang="en-US" altLang="ko-KR" dirty="0"/>
               <a:t>! </a:t>
             </a:r>
             <a:r>
-              <a:rPr lang="ko-KR" altLang="en-US" smtClean="0"/>
+              <a:rPr lang="ko-KR" altLang="en-US"/>
               <a:t>뮤텍스 변수가 들어갔기 때문에 복사를 하면 복사된 클래스에서는 다른 뮤텍스가 되어버림</a:t>
             </a:r>
             <a:r>
               <a:rPr lang="en-US" altLang="ko-KR" dirty="0"/>
               <a:t>.</a:t>
             </a:r>
-            <a:endParaRPr lang="en-US" altLang="ko-KR" dirty="0" smtClean="0"/>
           </a:p>
         </p:txBody>
       </p:sp>
@@ -3555,11 +3533,11 @@
           <a:lstStyle/>
           <a:p>
             <a:r>
-              <a:rPr lang="ko-KR" altLang="en-US" dirty="0" smtClean="0"/>
+              <a:rPr lang="ko-KR" altLang="en-US" dirty="0"/>
               <a:t>해결책 </a:t>
             </a:r>
             <a:r>
-              <a:rPr lang="en-US" altLang="ko-KR" dirty="0" smtClean="0"/>
+              <a:rPr lang="en-US" altLang="ko-KR" dirty="0"/>
               <a:t>2 : atomic&lt;T&gt;</a:t>
             </a:r>
             <a:endParaRPr lang="ko-KR" altLang="en-US"/>
@@ -3589,37 +3567,37 @@
           <a:lstStyle/>
           <a:p>
             <a:r>
-              <a:rPr lang="ko-KR" altLang="en-US" dirty="0" smtClean="0"/>
+              <a:rPr lang="ko-KR" altLang="en-US" dirty="0"/>
               <a:t>연산이 작으면 </a:t>
             </a:r>
             <a:r>
-              <a:rPr lang="en-US" altLang="ko-KR" dirty="0" smtClean="0"/>
+              <a:rPr lang="en-US" altLang="ko-KR" dirty="0"/>
               <a:t>atomic</a:t>
             </a:r>
             <a:r>
-              <a:rPr lang="ko-KR" altLang="en-US" smtClean="0"/>
+              <a:rPr lang="ko-KR" altLang="en-US"/>
               <a:t>을 사용해도 된다</a:t>
             </a:r>
             <a:r>
-              <a:rPr lang="en-US" altLang="ko-KR" dirty="0" smtClean="0"/>
+              <a:rPr lang="en-US" altLang="ko-KR" dirty="0"/>
               <a:t>.</a:t>
             </a:r>
           </a:p>
           <a:p>
             <a:r>
-              <a:rPr lang="ko-KR" altLang="en-US" dirty="0" smtClean="0"/>
+              <a:rPr lang="ko-KR" altLang="en-US" dirty="0"/>
               <a:t>연산이 많으면 그냥 </a:t>
             </a:r>
             <a:r>
-              <a:rPr lang="ko-KR" altLang="en-US" dirty="0" err="1" smtClean="0"/>
+              <a:rPr lang="ko-KR" altLang="en-US" dirty="0" err="1"/>
               <a:t>뮤텍스</a:t>
             </a:r>
             <a:r>
-              <a:rPr lang="ko-KR" altLang="en-US" dirty="0" smtClean="0"/>
+              <a:rPr lang="ko-KR" altLang="en-US" dirty="0"/>
               <a:t> 쓰자</a:t>
             </a:r>
             <a:r>
-              <a:rPr lang="en-US" altLang="ko-KR" dirty="0" smtClean="0"/>
+              <a:rPr lang="en-US" altLang="ko-KR" dirty="0"/>
               <a:t>.</a:t>
             </a:r>
           </a:p>
@@ -3628,20 +3606,20 @@
           </a:p>
           <a:p>
             <a:r>
-              <a:rPr lang="en-US" altLang="ko-KR" dirty="0" smtClean="0">
+              <a:rPr lang="en-US" altLang="ko-KR" dirty="0">
                 <a:hlinkClick r:id="rId2"/>
               </a:rPr>
               <a:t>https://www.slideshare.net/seao/c-atomic</a:t>
             </a:r>
-            <a:endParaRPr lang="en-US" altLang="ko-KR" dirty="0" smtClean="0"/>
-          </a:p>
-          <a:p>
-            <a:r>
-              <a:rPr lang="ko-KR" altLang="en-US" dirty="0" smtClean="0"/>
+            <a:endParaRPr lang="en-US" altLang="ko-KR" dirty="0"/>
+          </a:p>
+          <a:p>
+            <a:r>
+              <a:rPr lang="ko-KR" altLang="en-US" dirty="0"/>
               <a:t>동민님이 만들어주신 슬라이드를 보면 좋다</a:t>
             </a:r>
             <a:r>
-              <a:rPr lang="en-US" altLang="ko-KR" dirty="0" smtClean="0"/>
+              <a:rPr lang="en-US" altLang="ko-KR" dirty="0"/>
               <a:t>.</a:t>
             </a:r>
           </a:p>
@@ -3650,7 +3628,7 @@
           </a:p>
           <a:p>
             <a:r>
-              <a:rPr lang="ko-KR" altLang="en-US" sz="2600" dirty="0" smtClean="0">
+              <a:rPr lang="ko-KR" altLang="en-US" sz="2600" dirty="0">
                 <a:solidFill>
                   <a:schemeClr val="bg1">
                     <a:lumMod val="75000"/>
@@ -3670,7 +3648,7 @@
               <a:t> </a:t>
             </a:r>
             <a:r>
-              <a:rPr lang="ko-KR" altLang="en-US" sz="2600" smtClean="0">
+              <a:rPr lang="ko-KR" altLang="en-US" sz="2600">
                 <a:solidFill>
                   <a:schemeClr val="bg1">
                     <a:lumMod val="75000"/>
@@ -3759,11 +3737,11 @@
           <a:lstStyle/>
           <a:p>
             <a:r>
-              <a:rPr lang="ko-KR" altLang="en-US" dirty="0" smtClean="0"/>
+              <a:rPr lang="ko-KR" altLang="en-US" dirty="0"/>
               <a:t>특수 멤버 함수의 자동 작성 조건</a:t>
             </a:r>
             <a:r>
-              <a:rPr lang="en-US" altLang="ko-KR" dirty="0" smtClean="0"/>
+              <a:rPr lang="en-US" altLang="ko-KR" dirty="0"/>
               <a:t>?</a:t>
             </a:r>
             <a:endParaRPr lang="ko-KR" altLang="en-US"/>
@@ -3786,106 +3764,120 @@
           <a:lstStyle/>
           <a:p>
             <a:r>
-              <a:rPr lang="ko-KR" altLang="en-US" dirty="0" smtClean="0"/>
+              <a:rPr lang="ko-KR" altLang="en-US" dirty="0"/>
               <a:t>특수 멤버 함수</a:t>
             </a:r>
             <a:r>
-              <a:rPr lang="en-US" altLang="ko-KR" dirty="0" smtClean="0"/>
+              <a:rPr lang="en-US" altLang="ko-KR" dirty="0"/>
               <a:t>? </a:t>
             </a:r>
             <a:r>
-              <a:rPr lang="ko-KR" altLang="en-US" smtClean="0"/>
-              <a:t>선언하지 않으면 자동으로 컴파일러님이 만들어주는 함수들</a:t>
-            </a:r>
-            <a:r>
-              <a:rPr lang="en-US" altLang="ko-KR" dirty="0" smtClean="0"/>
+              <a:rPr lang="ko-KR" altLang="en-US" dirty="0"/>
+              <a:t>선언하지 않으면 자동으로 </a:t>
+            </a:r>
+            <a:r>
+              <a:rPr lang="ko-KR" altLang="en-US" dirty="0" err="1"/>
+              <a:t>컴파일러님이</a:t>
+            </a:r>
+            <a:r>
+              <a:rPr lang="ko-KR" altLang="en-US" dirty="0"/>
+              <a:t> 만들어주는 함수들</a:t>
+            </a:r>
+            <a:r>
+              <a:rPr lang="en-US" altLang="ko-KR" dirty="0"/>
               <a:t>.</a:t>
             </a:r>
           </a:p>
           <a:p>
             <a:r>
-              <a:rPr lang="ko-KR" altLang="en-US" dirty="0" smtClean="0"/>
+              <a:rPr lang="ko-KR" altLang="en-US" dirty="0"/>
               <a:t>기본 </a:t>
             </a:r>
             <a:r>
-              <a:rPr lang="ko-KR" altLang="en-US" dirty="0" err="1" smtClean="0"/>
+              <a:rPr lang="ko-KR" altLang="en-US" dirty="0" err="1"/>
               <a:t>생성자</a:t>
             </a:r>
             <a:r>
-              <a:rPr lang="en-US" altLang="ko-KR" dirty="0" smtClean="0"/>
+              <a:rPr lang="en-US" altLang="ko-KR" dirty="0"/>
               <a:t>, </a:t>
             </a:r>
             <a:r>
-              <a:rPr lang="ko-KR" altLang="en-US" smtClean="0"/>
+              <a:rPr lang="ko-KR" altLang="en-US" dirty="0" err="1"/>
               <a:t>소멸자</a:t>
             </a:r>
             <a:r>
-              <a:rPr lang="en-US" altLang="ko-KR" dirty="0" smtClean="0"/>
+              <a:rPr lang="en-US" altLang="ko-KR" dirty="0"/>
               <a:t>, </a:t>
             </a:r>
             <a:r>
-              <a:rPr lang="ko-KR" altLang="en-US" smtClean="0"/>
+              <a:rPr lang="ko-KR" altLang="en-US" dirty="0"/>
               <a:t>복사 생성자</a:t>
             </a:r>
             <a:r>
-              <a:rPr lang="en-US" altLang="ko-KR" dirty="0" smtClean="0"/>
+              <a:rPr lang="en-US" altLang="ko-KR" dirty="0"/>
               <a:t>, </a:t>
             </a:r>
             <a:r>
-              <a:rPr lang="ko-KR" altLang="en-US" smtClean="0"/>
+              <a:rPr lang="ko-KR" altLang="en-US" dirty="0"/>
               <a:t>이동 생성자</a:t>
             </a:r>
             <a:r>
-              <a:rPr lang="en-US" altLang="ko-KR" dirty="0" smtClean="0"/>
+              <a:rPr lang="en-US" altLang="ko-KR" dirty="0"/>
               <a:t>, </a:t>
             </a:r>
             <a:r>
-              <a:rPr lang="ko-KR" altLang="en-US" smtClean="0"/>
+              <a:rPr lang="ko-KR" altLang="en-US" dirty="0"/>
               <a:t>복사 할당 연산자</a:t>
             </a:r>
             <a:r>
-              <a:rPr lang="en-US" altLang="ko-KR" dirty="0" smtClean="0"/>
+              <a:rPr lang="en-US" altLang="ko-KR" dirty="0"/>
               <a:t>, </a:t>
             </a:r>
             <a:r>
-              <a:rPr lang="ko-KR" altLang="en-US" smtClean="0"/>
+              <a:rPr lang="ko-KR" altLang="en-US" dirty="0"/>
               <a:t>이동 할당 연산자</a:t>
             </a:r>
             <a:r>
-              <a:rPr lang="en-US" altLang="ko-KR" dirty="0" smtClean="0"/>
+              <a:rPr lang="en-US" altLang="ko-KR" dirty="0"/>
               <a:t>(</a:t>
             </a:r>
             <a:r>
-              <a:rPr lang="ko-KR" altLang="en-US" smtClean="0"/>
+              <a:rPr lang="ko-KR" altLang="en-US" dirty="0"/>
               <a:t>이동 관련은 </a:t>
             </a:r>
             <a:r>
-              <a:rPr lang="en-US" altLang="ko-KR" dirty="0" smtClean="0"/>
+              <a:rPr lang="en-US" altLang="ko-KR" dirty="0"/>
               <a:t>C++11 </a:t>
             </a:r>
             <a:r>
-              <a:rPr lang="ko-KR" altLang="en-US" smtClean="0"/>
+              <a:rPr lang="ko-KR" altLang="en-US" dirty="0"/>
               <a:t>에서 추가됨</a:t>
             </a:r>
             <a:r>
-              <a:rPr lang="en-US" altLang="ko-KR" dirty="0" smtClean="0"/>
+              <a:rPr lang="en-US" altLang="ko-KR" dirty="0"/>
               <a:t>)</a:t>
             </a:r>
           </a:p>
           <a:p>
             <a:r>
-              <a:rPr lang="en-US" altLang="ko-KR" dirty="0" smtClean="0"/>
+              <a:rPr lang="en-US" altLang="ko-KR" dirty="0"/>
               <a:t>Public, inline, not virtual(※ </a:t>
             </a:r>
             <a:r>
-              <a:rPr lang="ko-KR" altLang="en-US" smtClean="0"/>
+              <a:rPr lang="ko-KR" altLang="en-US" dirty="0"/>
               <a:t>가상 소멸자를 가진 클래스의 자식 클래스는 예외</a:t>
             </a:r>
             <a:r>
               <a:rPr lang="en-US" altLang="ko-KR" dirty="0"/>
               <a:t>)</a:t>
             </a:r>
-            <a:endParaRPr lang="ko-KR" altLang="en-US"/>
+          </a:p>
+          <a:p>
+            <a:r>
+              <a:rPr lang="en-US" altLang="ko-KR" dirty="0"/>
+              <a:t>Rule of Three(C++98), Rule of Five(since C++11)</a:t>
+            </a:r>
+            <a:endParaRPr lang="ko-KR" altLang="en-US" dirty="0"/>
           </a:p>
         </p:txBody>
       </p:sp>
@@ -3921,7 +3913,13 @@
       </p:grpSpPr>
       <p:sp>
         <p:nvSpPr>
-          <p:cNvPr id="2" name="제목 1"/>
+          <p:cNvPr id="2" name="제목 1">
+            <a:extLst>
+              <a:ext uri="{FF2B5EF4-FFF2-40B4-BE49-F238E27FC236}">
+                <a16:creationId xmlns:a16="http://schemas.microsoft.com/office/drawing/2014/main" id="{351A5DDA-81A5-4525-8099-145E60BBD757}"/>
+              </a:ext>
+            </a:extLst>
+          </p:cNvPr>
           <p:cNvSpPr>
             <a:spLocks noGrp="1"/>
           </p:cNvSpPr>
@@ -3935,16 +3933,21 @@
           <a:lstStyle/>
           <a:p>
             <a:r>
-              <a:rPr lang="ko-KR" altLang="en-US" dirty="0" smtClean="0"/>
+              <a:rPr lang="ko-KR" altLang="en-US" dirty="0"/>
               <a:t>복사 연산자의 경우</a:t>
             </a:r>
-            <a:endParaRPr lang="ko-KR" altLang="en-US" dirty="0"/>
-          </a:p>
-        </p:txBody>
-      </p:sp>
-      <p:sp>
-        <p:nvSpPr>
-          <p:cNvPr id="3" name="내용 개체 틀 2"/>
+          </a:p>
+        </p:txBody>
+      </p:sp>
+      <p:sp>
+        <p:nvSpPr>
+          <p:cNvPr id="3" name="내용 개체 틀 2">
+            <a:extLst>
+              <a:ext uri="{FF2B5EF4-FFF2-40B4-BE49-F238E27FC236}">
+                <a16:creationId xmlns:a16="http://schemas.microsoft.com/office/drawing/2014/main" id="{35EAB5A2-BC62-439A-96FC-D347D5F975C9}"/>
+              </a:ext>
+            </a:extLst>
+          </p:cNvPr>
           <p:cNvSpPr>
             <a:spLocks noGrp="1"/>
           </p:cNvSpPr>
@@ -3952,146 +3955,205 @@
             <p:ph idx="1"/>
           </p:nvPr>
         </p:nvSpPr>
-        <p:spPr>
-          <a:xfrm>
-            <a:off x="838200" y="1590261"/>
-            <a:ext cx="10515600" cy="4586702"/>
-          </a:xfrm>
-        </p:spPr>
-        <p:txBody>
-          <a:bodyPr/>
-          <a:lstStyle/>
-          <a:p>
-            <a:r>
-              <a:rPr lang="en-US" altLang="ko-KR" dirty="0" smtClean="0"/>
-              <a:t>Widget(</a:t>
-            </a:r>
-            <a:r>
-              <a:rPr lang="en-US" altLang="ko-KR" dirty="0" err="1" smtClean="0"/>
+        <p:spPr/>
+        <p:txBody>
+          <a:bodyPr>
+            <a:normAutofit fontScale="92500" lnSpcReduction="20000"/>
+          </a:bodyPr>
+          <a:lstStyle/>
+          <a:p>
+            <a:r>
+              <a:rPr lang="ko-KR" altLang="en-US" dirty="0"/>
+              <a:t>정의하지 않는 방식</a:t>
+            </a:r>
+            <a:endParaRPr lang="en-US" altLang="ko-KR" dirty="0"/>
+          </a:p>
+          <a:p>
+            <a:pPr lvl="1"/>
+            <a:r>
+              <a:rPr lang="en-US" altLang="ko-KR" dirty="0"/>
+              <a:t>C++98</a:t>
+            </a:r>
+            <a:r>
+              <a:rPr lang="ko-KR" altLang="en-US" dirty="0"/>
+              <a:t>에서는 그냥 정의하지 않음</a:t>
+            </a:r>
+            <a:endParaRPr lang="en-US" altLang="ko-KR" dirty="0"/>
+          </a:p>
+          <a:p>
+            <a:pPr lvl="1"/>
+            <a:r>
+              <a:rPr lang="en-US" altLang="ko-KR" dirty="0"/>
+              <a:t>C++11</a:t>
+            </a:r>
+            <a:r>
+              <a:rPr lang="ko-KR" altLang="en-US" dirty="0"/>
+              <a:t>이후는 삭제된 상태로 정의함</a:t>
+            </a:r>
+            <a:endParaRPr lang="en-US" altLang="ko-KR" dirty="0"/>
+          </a:p>
+          <a:p>
+            <a:r>
+              <a:rPr lang="ko-KR" altLang="en-US" dirty="0"/>
+              <a:t>안 만들어주는 경우</a:t>
+            </a:r>
+            <a:endParaRPr lang="en-US" altLang="ko-KR" dirty="0"/>
+          </a:p>
+          <a:p>
+            <a:pPr lvl="1"/>
+            <a:r>
+              <a:rPr lang="ko-KR" altLang="en-US" dirty="0"/>
+              <a:t>생성자</a:t>
+            </a:r>
+            <a:endParaRPr lang="en-US" altLang="ko-KR" dirty="0"/>
+          </a:p>
+          <a:p>
+            <a:pPr lvl="2"/>
+            <a:r>
+              <a:rPr lang="ko-KR" altLang="en-US" dirty="0"/>
+              <a:t>복사 불가능한 </a:t>
+            </a:r>
+            <a:r>
+              <a:rPr lang="en-US" altLang="ko-KR" dirty="0"/>
+              <a:t>static</a:t>
+            </a:r>
+            <a:r>
+              <a:rPr lang="ko-KR" altLang="en-US" dirty="0"/>
+              <a:t>이 아닌 멤버변수 또는 클래스가 있다</a:t>
+            </a:r>
+            <a:r>
+              <a:rPr lang="en-US" altLang="ko-KR" dirty="0"/>
+              <a:t>.</a:t>
+            </a:r>
+          </a:p>
+          <a:p>
+            <a:pPr lvl="2"/>
+            <a:r>
+              <a:rPr lang="ko-KR" altLang="en-US" dirty="0"/>
+              <a:t>소멸자가 삭제되거나 접근할 수 없는 클래스가 있다</a:t>
+            </a:r>
+            <a:r>
+              <a:rPr lang="en-US" altLang="ko-KR" dirty="0"/>
+              <a:t>.</a:t>
+            </a:r>
+          </a:p>
+          <a:p>
+            <a:pPr lvl="2"/>
+            <a:r>
+              <a:rPr lang="en-US" altLang="ko-KR" dirty="0"/>
+              <a:t>R-value </a:t>
+            </a:r>
+            <a:r>
+              <a:rPr lang="ko-KR" altLang="en-US" dirty="0"/>
+              <a:t>참조 변수가 있는 경우</a:t>
+            </a:r>
+            <a:endParaRPr lang="en-US" altLang="ko-KR" dirty="0"/>
+          </a:p>
+          <a:p>
+            <a:pPr lvl="1"/>
+            <a:r>
+              <a:rPr lang="ko-KR" altLang="en-US" dirty="0"/>
+              <a:t>할당 연산자</a:t>
+            </a:r>
+            <a:endParaRPr lang="en-US" altLang="ko-KR" dirty="0"/>
+          </a:p>
+          <a:p>
+            <a:pPr lvl="2"/>
+            <a:r>
+              <a:rPr lang="ko-KR" altLang="en-US" dirty="0"/>
+              <a:t>복사 할당이 불가능한</a:t>
+            </a:r>
+            <a:r>
+              <a:rPr lang="en-US" altLang="ko-KR" dirty="0"/>
+              <a:t> static</a:t>
+            </a:r>
+            <a:r>
+              <a:rPr lang="ko-KR" altLang="en-US" dirty="0"/>
+              <a:t>이 아닌 멤버 변수 또는 클래스가 있다</a:t>
+            </a:r>
+            <a:endParaRPr lang="en-US" altLang="ko-KR" dirty="0"/>
+          </a:p>
+          <a:p>
+            <a:pPr lvl="2"/>
+            <a:r>
+              <a:rPr lang="ko-KR" altLang="en-US" dirty="0"/>
+              <a:t>클래스가 아닌 </a:t>
+            </a:r>
+            <a:r>
+              <a:rPr lang="en-US" altLang="ko-KR" dirty="0" err="1"/>
               <a:t>const</a:t>
             </a:r>
             <a:r>
-              <a:rPr lang="en-US" altLang="ko-KR" dirty="0" smtClean="0"/>
-              <a:t> Widget&amp;) // </a:t>
-            </a:r>
-            <a:r>
-              <a:rPr lang="ko-KR" altLang="en-US" smtClean="0"/>
-              <a:t>복사 생성자</a:t>
-            </a:r>
-            <a:endParaRPr lang="en-US" altLang="ko-KR" dirty="0" smtClean="0"/>
-          </a:p>
-          <a:p>
-            <a:r>
-              <a:rPr lang="en-US" altLang="ko-KR" dirty="0" smtClean="0"/>
-              <a:t>Widget&amp; Widget::Operator=(Widget)</a:t>
-            </a:r>
-            <a:br>
-              <a:rPr lang="en-US" altLang="ko-KR" dirty="0" smtClean="0"/>
-            </a:br>
-            <a:r>
-              <a:rPr lang="en-US" altLang="ko-KR" dirty="0" smtClean="0"/>
-              <a:t>Widget&amp; Widget::Operator=(</a:t>
-            </a:r>
-            <a:r>
-              <a:rPr lang="en-US" altLang="ko-KR" dirty="0" err="1" smtClean="0"/>
-              <a:t>const</a:t>
-            </a:r>
-            <a:r>
-              <a:rPr lang="en-US" altLang="ko-KR" dirty="0" smtClean="0"/>
-              <a:t> Widget&amp;) // </a:t>
-            </a:r>
-            <a:r>
-              <a:rPr lang="ko-KR" altLang="en-US" smtClean="0"/>
-              <a:t>복사 할당 연산자</a:t>
-            </a:r>
-            <a:endParaRPr lang="en-US" altLang="ko-KR" dirty="0" smtClean="0"/>
-          </a:p>
-          <a:p>
-            <a:r>
-              <a:rPr lang="ko-KR" altLang="en-US" dirty="0" smtClean="0"/>
-              <a:t>당연히 복사 </a:t>
-            </a:r>
-            <a:r>
-              <a:rPr lang="ko-KR" altLang="en-US" dirty="0" err="1" smtClean="0"/>
+              <a:rPr lang="en-US" altLang="ko-KR" dirty="0"/>
+              <a:t>, non-static </a:t>
+            </a:r>
+            <a:r>
+              <a:rPr lang="ko-KR" altLang="en-US" dirty="0"/>
+              <a:t>멤버변수가 있는 경우</a:t>
+            </a:r>
+            <a:endParaRPr lang="en-US" altLang="ko-KR" dirty="0"/>
+          </a:p>
+          <a:p>
+            <a:pPr lvl="2"/>
+            <a:r>
+              <a:rPr lang="ko-KR" altLang="en-US" dirty="0"/>
+              <a:t>레퍼런스 타입의 </a:t>
+            </a:r>
+            <a:r>
+              <a:rPr lang="en-US" altLang="ko-KR" dirty="0"/>
+              <a:t>non-static </a:t>
+            </a:r>
+            <a:r>
+              <a:rPr lang="ko-KR" altLang="en-US" dirty="0"/>
+              <a:t>멤버변수가 있는 경우</a:t>
+            </a:r>
+            <a:endParaRPr lang="en-US" altLang="ko-KR" dirty="0"/>
+          </a:p>
+          <a:p>
+            <a:pPr lvl="1"/>
+            <a:r>
+              <a:rPr lang="ko-KR" altLang="en-US" dirty="0"/>
+              <a:t>유저가 만든 이동</a:t>
+            </a:r>
+            <a:r>
+              <a:rPr lang="en-US" altLang="ko-KR" dirty="0"/>
+              <a:t> </a:t>
+            </a:r>
+            <a:r>
+              <a:rPr lang="ko-KR" altLang="en-US" dirty="0"/>
               <a:t>생성자</a:t>
             </a:r>
             <a:r>
-              <a:rPr lang="en-US" altLang="ko-KR" dirty="0" smtClean="0"/>
+              <a:rPr lang="en-US" altLang="ko-KR" dirty="0"/>
               <a:t>, </a:t>
             </a:r>
             <a:r>
-              <a:rPr lang="ko-KR" altLang="en-US" smtClean="0"/>
-              <a:t>복사 할당 연산자를 선언하면 안만들어 줌</a:t>
-            </a:r>
-            <a:r>
-              <a:rPr lang="en-US" altLang="ko-KR" dirty="0" smtClean="0"/>
-              <a:t>.</a:t>
-            </a:r>
-          </a:p>
-          <a:p>
-            <a:r>
-              <a:rPr lang="ko-KR" altLang="en-US" dirty="0" smtClean="0"/>
-              <a:t>복사 생성자만 만들어 놓고 복사 할당 연산자가 필요한 코드를 작성하면 복사 할당 연산자를 만들어 줌</a:t>
-            </a:r>
-            <a:r>
-              <a:rPr lang="en-US" altLang="ko-KR" dirty="0" smtClean="0"/>
-              <a:t>.</a:t>
-            </a:r>
-          </a:p>
-          <a:p>
-            <a:r>
-              <a:rPr lang="ko-KR" altLang="en-US" dirty="0" smtClean="0"/>
-              <a:t>반대로</a:t>
-            </a:r>
-            <a:r>
-              <a:rPr lang="en-US" altLang="ko-KR" dirty="0" smtClean="0"/>
-              <a:t>, </a:t>
-            </a:r>
-            <a:r>
-              <a:rPr lang="ko-KR" altLang="en-US" smtClean="0"/>
-              <a:t>복사 할당 연산자만 만들어 놓고 복사 생성자가 필요한 코드를 작성하면 복사 생성자를 만들어 줌</a:t>
-            </a:r>
-            <a:r>
-              <a:rPr lang="en-US" altLang="ko-KR" dirty="0" smtClean="0"/>
-              <a:t>.</a:t>
-            </a:r>
-          </a:p>
-          <a:p>
-            <a:r>
-              <a:rPr lang="ko-KR" altLang="en-US" dirty="0" smtClean="0"/>
-              <a:t>단</a:t>
-            </a:r>
-            <a:r>
-              <a:rPr lang="en-US" altLang="ko-KR" dirty="0" smtClean="0"/>
-              <a:t>, </a:t>
-            </a:r>
-            <a:r>
-              <a:rPr lang="ko-KR" altLang="en-US" smtClean="0"/>
-              <a:t>이동 생성자</a:t>
-            </a:r>
-            <a:r>
-              <a:rPr lang="en-US" altLang="ko-KR" dirty="0" smtClean="0"/>
-              <a:t>, </a:t>
-            </a:r>
-            <a:r>
-              <a:rPr lang="ko-KR" altLang="en-US" smtClean="0"/>
-              <a:t>이동 할당 연산자를 만들면 안만들어줌</a:t>
-            </a:r>
-            <a:r>
-              <a:rPr lang="en-US" altLang="ko-KR" dirty="0" smtClean="0"/>
-              <a:t>!</a:t>
-            </a:r>
-            <a:endParaRPr lang="ko-KR" altLang="en-US" smtClean="0"/>
-          </a:p>
-          <a:p>
-            <a:endParaRPr lang="ko-KR" altLang="en-US" dirty="0"/>
+              <a:rPr lang="ko-KR" altLang="en-US" dirty="0"/>
+              <a:t>이동 할당 생성자가 있는 경우</a:t>
+            </a:r>
+            <a:r>
+              <a:rPr lang="en-US" altLang="ko-KR" dirty="0"/>
+              <a:t>. </a:t>
+            </a:r>
+          </a:p>
+          <a:p>
+            <a:pPr lvl="1"/>
+            <a:r>
+              <a:rPr lang="en-US" altLang="ko-KR" dirty="0"/>
+              <a:t>Union</a:t>
+            </a:r>
+            <a:r>
+              <a:rPr lang="ko-KR" altLang="en-US" dirty="0"/>
+              <a:t>처럼 타입이 명확하지 않아 복사 연산자도 명확하지 않은 경우</a:t>
+            </a:r>
+            <a:endParaRPr lang="en-US" altLang="ko-KR" dirty="0"/>
           </a:p>
         </p:txBody>
       </p:sp>
     </p:spTree>
     <p:extLst>
       <p:ext uri="{BB962C8B-B14F-4D97-AF65-F5344CB8AC3E}">
-        <p14:creationId xmlns:p14="http://schemas.microsoft.com/office/powerpoint/2010/main" val="188377234"/>
+        <p14:creationId xmlns:p14="http://schemas.microsoft.com/office/powerpoint/2010/main" val="198788757"/>
       </p:ext>
     </p:extLst>
   </p:cSld>
@@ -4134,116 +4196,146 @@
           <a:lstStyle/>
           <a:p>
             <a:r>
-              <a:rPr lang="ko-KR" altLang="en-US" dirty="0" smtClean="0"/>
-              <a:t>이동 연산자의 경우</a:t>
-            </a:r>
+              <a:rPr lang="ko-KR" altLang="en-US" dirty="0"/>
+              <a:t>복사 연산자의 경우</a:t>
+            </a:r>
+          </a:p>
+        </p:txBody>
+      </p:sp>
+      <p:sp>
+        <p:nvSpPr>
+          <p:cNvPr id="3" name="내용 개체 틀 2"/>
+          <p:cNvSpPr>
+            <a:spLocks noGrp="1"/>
+          </p:cNvSpPr>
+          <p:nvPr>
+            <p:ph idx="1"/>
+          </p:nvPr>
+        </p:nvSpPr>
+        <p:spPr>
+          <a:xfrm>
+            <a:off x="838200" y="1590261"/>
+            <a:ext cx="10515600" cy="4586702"/>
+          </a:xfrm>
+        </p:spPr>
+        <p:txBody>
+          <a:bodyPr/>
+          <a:lstStyle/>
+          <a:p>
+            <a:r>
+              <a:rPr lang="en-US" altLang="ko-KR" dirty="0"/>
+              <a:t>Widget(</a:t>
+            </a:r>
+            <a:r>
+              <a:rPr lang="en-US" altLang="ko-KR" dirty="0" err="1"/>
+              <a:t>const</a:t>
+            </a:r>
+            <a:r>
+              <a:rPr lang="en-US" altLang="ko-KR" dirty="0"/>
+              <a:t> Widget&amp;) // </a:t>
+            </a:r>
+            <a:r>
+              <a:rPr lang="ko-KR" altLang="en-US" dirty="0"/>
+              <a:t>복사 생성자</a:t>
+            </a:r>
+            <a:endParaRPr lang="en-US" altLang="ko-KR" dirty="0"/>
+          </a:p>
+          <a:p>
+            <a:r>
+              <a:rPr lang="en-US" altLang="ko-KR" dirty="0"/>
+              <a:t>Widget&amp; Widget::Operator=(Widget)</a:t>
+            </a:r>
+            <a:br>
+              <a:rPr lang="en-US" altLang="ko-KR" dirty="0"/>
+            </a:br>
+            <a:r>
+              <a:rPr lang="en-US" altLang="ko-KR" dirty="0"/>
+              <a:t>Widget&amp; Widget::Operator=(</a:t>
+            </a:r>
+            <a:r>
+              <a:rPr lang="en-US" altLang="ko-KR" dirty="0" err="1"/>
+              <a:t>const</a:t>
+            </a:r>
+            <a:r>
+              <a:rPr lang="en-US" altLang="ko-KR" dirty="0"/>
+              <a:t> Widget&amp;) // </a:t>
+            </a:r>
+            <a:r>
+              <a:rPr lang="ko-KR" altLang="en-US" dirty="0"/>
+              <a:t>복사 할당 연산자</a:t>
+            </a:r>
+            <a:endParaRPr lang="en-US" altLang="ko-KR" dirty="0"/>
+          </a:p>
+          <a:p>
+            <a:r>
+              <a:rPr lang="ko-KR" altLang="en-US" dirty="0"/>
+              <a:t>당연히 복사 </a:t>
+            </a:r>
+            <a:r>
+              <a:rPr lang="ko-KR" altLang="en-US" dirty="0" err="1"/>
+              <a:t>생성자</a:t>
+            </a:r>
+            <a:r>
+              <a:rPr lang="en-US" altLang="ko-KR" dirty="0"/>
+              <a:t>, </a:t>
+            </a:r>
+            <a:r>
+              <a:rPr lang="ko-KR" altLang="en-US" dirty="0"/>
+              <a:t>복사 할당 연산자를 선언하면 </a:t>
+            </a:r>
+            <a:r>
+              <a:rPr lang="ko-KR" altLang="en-US" dirty="0" err="1"/>
+              <a:t>안만들어</a:t>
+            </a:r>
+            <a:r>
+              <a:rPr lang="ko-KR" altLang="en-US" dirty="0"/>
+              <a:t> 줌</a:t>
+            </a:r>
+            <a:r>
+              <a:rPr lang="en-US" altLang="ko-KR" dirty="0"/>
+              <a:t>.</a:t>
+            </a:r>
+          </a:p>
+          <a:p>
+            <a:r>
+              <a:rPr lang="ko-KR" altLang="en-US" dirty="0"/>
+              <a:t>복사 생성자만 만들어 놓고 복사 할당 연산자가 필요한 코드를 작성하면 복사 할당 연산자를 만들어 줌</a:t>
+            </a:r>
+            <a:r>
+              <a:rPr lang="en-US" altLang="ko-KR" dirty="0"/>
+              <a:t>.</a:t>
+            </a:r>
+          </a:p>
+          <a:p>
+            <a:r>
+              <a:rPr lang="ko-KR" altLang="en-US" dirty="0"/>
+              <a:t>반대로</a:t>
+            </a:r>
+            <a:r>
+              <a:rPr lang="en-US" altLang="ko-KR" dirty="0"/>
+              <a:t>, </a:t>
+            </a:r>
+            <a:r>
+              <a:rPr lang="ko-KR" altLang="en-US" dirty="0"/>
+              <a:t>복사 할당 연산자만 만들어 놓고 복사 생성자가 필요한 코드를 작성하면 복사 생성자를 만들어 줌</a:t>
+            </a:r>
+            <a:r>
+              <a:rPr lang="en-US" altLang="ko-KR" dirty="0"/>
+              <a:t>.</a:t>
+            </a:r>
+          </a:p>
+          <a:p>
+            <a:pPr marL="0" indent="0">
+              <a:buNone/>
+            </a:pPr>
             <a:endParaRPr lang="ko-KR" altLang="en-US" dirty="0"/>
-          </a:p>
-        </p:txBody>
-      </p:sp>
-      <p:sp>
-        <p:nvSpPr>
-          <p:cNvPr id="3" name="내용 개체 틀 2"/>
-          <p:cNvSpPr>
-            <a:spLocks noGrp="1"/>
-          </p:cNvSpPr>
-          <p:nvPr>
-            <p:ph idx="1"/>
-          </p:nvPr>
-        </p:nvSpPr>
-        <p:spPr/>
-        <p:txBody>
-          <a:bodyPr/>
-          <a:lstStyle/>
-          <a:p>
-            <a:r>
-              <a:rPr lang="en-US" altLang="ko-KR" dirty="0" smtClean="0"/>
-              <a:t>Widget(Widget&amp;&amp;)	// </a:t>
-            </a:r>
-            <a:r>
-              <a:rPr lang="ko-KR" altLang="en-US" smtClean="0"/>
-              <a:t>이동 생성자</a:t>
-            </a:r>
-            <a:endParaRPr lang="en-US" altLang="ko-KR" dirty="0" smtClean="0"/>
-          </a:p>
-          <a:p>
-            <a:r>
-              <a:rPr lang="en-US" altLang="ko-KR" dirty="0" smtClean="0"/>
-              <a:t>Widget&amp; Widget::Operator(Widget&amp;&amp;) // </a:t>
-            </a:r>
-            <a:r>
-              <a:rPr lang="ko-KR" altLang="en-US" smtClean="0"/>
-              <a:t>이동 할당 연산자</a:t>
-            </a:r>
-            <a:endParaRPr lang="en-US" altLang="ko-KR" dirty="0" smtClean="0"/>
-          </a:p>
-          <a:p>
-            <a:r>
-              <a:rPr lang="ko-KR" altLang="en-US" dirty="0" smtClean="0"/>
-              <a:t>당연히 이 친구들도 유저가 만들면 </a:t>
-            </a:r>
-            <a:r>
-              <a:rPr lang="ko-KR" altLang="en-US" dirty="0" err="1" smtClean="0"/>
-              <a:t>안만들어</a:t>
-            </a:r>
-            <a:r>
-              <a:rPr lang="ko-KR" altLang="en-US" dirty="0" smtClean="0"/>
-              <a:t> 줌</a:t>
-            </a:r>
-            <a:r>
-              <a:rPr lang="en-US" altLang="ko-KR" dirty="0" smtClean="0"/>
-              <a:t>.</a:t>
-            </a:r>
-          </a:p>
-          <a:p>
-            <a:r>
-              <a:rPr lang="ko-KR" altLang="en-US" dirty="0" smtClean="0"/>
-              <a:t>복사 연산자와는 다르게 이동 </a:t>
-            </a:r>
-            <a:r>
-              <a:rPr lang="ko-KR" altLang="en-US" dirty="0" err="1" smtClean="0"/>
-              <a:t>생성자</a:t>
-            </a:r>
-            <a:r>
-              <a:rPr lang="ko-KR" altLang="en-US" dirty="0" smtClean="0"/>
-              <a:t> 또는 이동 할당 연산자 중 하나만 있으면 다른 하나도 기본 생성하지 않는다</a:t>
-            </a:r>
-            <a:r>
-              <a:rPr lang="en-US" altLang="ko-KR" dirty="0" smtClean="0"/>
-              <a:t>.</a:t>
-            </a:r>
-          </a:p>
-          <a:p>
-            <a:r>
-              <a:rPr lang="ko-KR" altLang="en-US" dirty="0" smtClean="0"/>
-              <a:t>복사 연산자와 마찬가지로 복사 연산자가 존재하면 이동 연산자를 만들어 주지 않는다</a:t>
-            </a:r>
-            <a:r>
-              <a:rPr lang="en-US" altLang="ko-KR" dirty="0" smtClean="0"/>
-              <a:t>.</a:t>
-            </a:r>
-          </a:p>
-          <a:p>
-            <a:r>
-              <a:rPr lang="en-US" altLang="ko-KR" dirty="0" smtClean="0"/>
-              <a:t>!!! </a:t>
-            </a:r>
-            <a:r>
-              <a:rPr lang="ko-KR" altLang="en-US" smtClean="0"/>
-              <a:t>유저가 작성한 소멸자가 있어도 안만들어준다 </a:t>
-            </a:r>
-            <a:r>
-              <a:rPr lang="en-US" altLang="ko-KR" dirty="0" smtClean="0"/>
-              <a:t>!!!</a:t>
-            </a:r>
-            <a:endParaRPr lang="ko-KR" altLang="en-US"/>
           </a:p>
         </p:txBody>
       </p:sp>
     </p:spTree>
     <p:extLst>
       <p:ext uri="{BB962C8B-B14F-4D97-AF65-F5344CB8AC3E}">
-        <p14:creationId xmlns:p14="http://schemas.microsoft.com/office/powerpoint/2010/main" val="465170313"/>
+        <p14:creationId xmlns:p14="http://schemas.microsoft.com/office/powerpoint/2010/main" val="188377234"/>
       </p:ext>
     </p:extLst>
   </p:cSld>
@@ -4272,7 +4364,13 @@
       </p:grpSpPr>
       <p:sp>
         <p:nvSpPr>
-          <p:cNvPr id="2" name="제목 1"/>
+          <p:cNvPr id="2" name="제목 1">
+            <a:extLst>
+              <a:ext uri="{FF2B5EF4-FFF2-40B4-BE49-F238E27FC236}">
+                <a16:creationId xmlns:a16="http://schemas.microsoft.com/office/drawing/2014/main" id="{CE2ADB67-0014-43D5-B26C-620099AEFE80}"/>
+              </a:ext>
+            </a:extLst>
+          </p:cNvPr>
           <p:cNvSpPr>
             <a:spLocks noGrp="1"/>
           </p:cNvSpPr>
@@ -4282,22 +4380,25 @@
         </p:nvSpPr>
         <p:spPr/>
         <p:txBody>
-          <a:bodyPr>
-            <a:normAutofit/>
-          </a:bodyPr>
-          <a:lstStyle/>
-          <a:p>
-            <a:r>
-              <a:rPr lang="ko-KR" altLang="en-US" sz="4000" dirty="0" smtClean="0"/>
-              <a:t>미묘하게 복사 연산자와 이동 연산자가 다름</a:t>
-            </a:r>
-            <a:endParaRPr lang="ko-KR" altLang="en-US" sz="4000" dirty="0"/>
-          </a:p>
-        </p:txBody>
-      </p:sp>
-      <p:sp>
-        <p:nvSpPr>
-          <p:cNvPr id="3" name="내용 개체 틀 2"/>
+          <a:bodyPr/>
+          <a:lstStyle/>
+          <a:p>
+            <a:r>
+              <a:rPr lang="ko-KR" altLang="en-US" dirty="0"/>
+              <a:t>이동 연산자의 경우</a:t>
+            </a:r>
+          </a:p>
+        </p:txBody>
+      </p:sp>
+      <p:sp>
+        <p:nvSpPr>
+          <p:cNvPr id="3" name="내용 개체 틀 2">
+            <a:extLst>
+              <a:ext uri="{FF2B5EF4-FFF2-40B4-BE49-F238E27FC236}">
+                <a16:creationId xmlns:a16="http://schemas.microsoft.com/office/drawing/2014/main" id="{F95D90F1-1802-4F59-9FA1-49F4420DB432}"/>
+              </a:ext>
+            </a:extLst>
+          </p:cNvPr>
           <p:cNvSpPr>
             <a:spLocks noGrp="1"/>
           </p:cNvSpPr>
@@ -4311,127 +4412,59 @@
           <a:lstStyle/>
           <a:p>
             <a:r>
-              <a:rPr lang="en-US" altLang="ko-KR" dirty="0" smtClean="0"/>
-              <a:t>C++98 </a:t>
-            </a:r>
-            <a:r>
-              <a:rPr lang="ko-KR" altLang="en-US" smtClean="0"/>
-              <a:t>시절에는 소멸자를 유저가 정의했다고 해서 복사 연산자를 안만들어줄 이유가 없다고 생각했다</a:t>
-            </a:r>
-            <a:r>
-              <a:rPr lang="en-US" altLang="ko-KR" dirty="0" smtClean="0"/>
+              <a:rPr lang="ko-KR" altLang="en-US" dirty="0" err="1"/>
+              <a:t>안만들어주는</a:t>
+            </a:r>
+            <a:r>
+              <a:rPr lang="ko-KR" altLang="en-US" dirty="0"/>
+              <a:t> 경우</a:t>
+            </a:r>
+            <a:endParaRPr lang="en-US" altLang="ko-KR" dirty="0"/>
+          </a:p>
+          <a:p>
+            <a:pPr lvl="1"/>
+            <a:r>
+              <a:rPr lang="ko-KR" altLang="en-US" dirty="0"/>
+              <a:t>이동이 불가능한 </a:t>
+            </a:r>
+            <a:r>
+              <a:rPr lang="en-US" altLang="ko-KR" dirty="0"/>
+              <a:t>static</a:t>
+            </a:r>
+            <a:r>
+              <a:rPr lang="ko-KR" altLang="en-US" dirty="0"/>
+              <a:t>이 아닌 멤버 변수 또는 클래스가 있는 경우</a:t>
+            </a:r>
+            <a:r>
+              <a:rPr lang="en-US" altLang="ko-KR" dirty="0"/>
               <a:t>.</a:t>
             </a:r>
           </a:p>
           <a:p>
-            <a:r>
-              <a:rPr lang="ko-KR" altLang="en-US" dirty="0" smtClean="0"/>
-              <a:t>하지만</a:t>
-            </a:r>
-            <a:r>
-              <a:rPr lang="en-US" altLang="ko-KR" dirty="0"/>
-              <a:t> </a:t>
-            </a:r>
-            <a:r>
-              <a:rPr lang="ko-KR" altLang="en-US" smtClean="0"/>
-              <a:t>복사</a:t>
-            </a:r>
-            <a:r>
-              <a:rPr lang="en-US" altLang="ko-KR" dirty="0" smtClean="0"/>
-              <a:t>(</a:t>
-            </a:r>
-            <a:r>
-              <a:rPr lang="ko-KR" altLang="en-US" smtClean="0"/>
-              <a:t>이동</a:t>
-            </a:r>
-            <a:r>
-              <a:rPr lang="en-US" altLang="ko-KR" dirty="0" smtClean="0"/>
-              <a:t>)</a:t>
-            </a:r>
-            <a:r>
-              <a:rPr lang="ko-KR" altLang="en-US" smtClean="0"/>
-              <a:t> 연산자를 따로 정의했다는 것은 기본 생성 연산자로는 불충분 하기 때문이며 이동</a:t>
-            </a:r>
-            <a:r>
-              <a:rPr lang="en-US" altLang="ko-KR" dirty="0" smtClean="0"/>
-              <a:t>(</a:t>
-            </a:r>
-            <a:r>
-              <a:rPr lang="ko-KR" altLang="en-US" smtClean="0"/>
-              <a:t>복사</a:t>
-            </a:r>
-            <a:r>
-              <a:rPr lang="en-US" altLang="ko-KR" dirty="0" smtClean="0"/>
-              <a:t>)</a:t>
-            </a:r>
-            <a:r>
-              <a:rPr lang="ko-KR" altLang="en-US" smtClean="0"/>
-              <a:t>연산도 마찬가지라는 개념을 가지고 만들어 주지 않게 된 것이다</a:t>
-            </a:r>
-            <a:r>
-              <a:rPr lang="en-US" altLang="ko-KR" dirty="0" smtClean="0"/>
-              <a:t>.</a:t>
-            </a:r>
-          </a:p>
-          <a:p>
-            <a:r>
-              <a:rPr lang="ko-KR" altLang="en-US" dirty="0" smtClean="0"/>
-              <a:t>이와 마찬가지로 </a:t>
-            </a:r>
-            <a:r>
-              <a:rPr lang="ko-KR" altLang="en-US" dirty="0" err="1" smtClean="0"/>
-              <a:t>소멸자를</a:t>
-            </a:r>
-            <a:r>
-              <a:rPr lang="ko-KR" altLang="en-US" dirty="0" smtClean="0"/>
-              <a:t> 별도 작성하였다는 것은 일반적으로 자원의 해제가 필요한 상황이므로 기본 복사</a:t>
-            </a:r>
-            <a:r>
-              <a:rPr lang="en-US" altLang="ko-KR" dirty="0" smtClean="0"/>
-              <a:t>, </a:t>
-            </a:r>
-            <a:r>
-              <a:rPr lang="ko-KR" altLang="en-US" smtClean="0"/>
-              <a:t>이동 연산자로는 충분하지 않은 상황이기 때문에 기본 작성이 안된다</a:t>
-            </a:r>
-            <a:r>
-              <a:rPr lang="en-US" altLang="ko-KR" dirty="0" smtClean="0"/>
-              <a:t>.</a:t>
-            </a:r>
-          </a:p>
-          <a:p>
-            <a:r>
-              <a:rPr lang="ko-KR" altLang="en-US" dirty="0" smtClean="0"/>
-              <a:t>단</a:t>
-            </a:r>
-            <a:r>
-              <a:rPr lang="en-US" altLang="ko-KR" dirty="0" smtClean="0"/>
-              <a:t>, </a:t>
-            </a:r>
-            <a:r>
-              <a:rPr lang="ko-KR" altLang="en-US" smtClean="0"/>
-              <a:t>복사 연산자들은 </a:t>
-            </a:r>
-            <a:r>
-              <a:rPr lang="en-US" altLang="ko-KR" dirty="0" smtClean="0"/>
-              <a:t>C++98</a:t>
-            </a:r>
-            <a:r>
-              <a:rPr lang="ko-KR" altLang="en-US" smtClean="0"/>
-              <a:t>시절에 작성된 코드가 존재하기 때문에 호환성을 위해 소멸자가 있어도 만들어 주게 되었다</a:t>
-            </a:r>
-            <a:r>
-              <a:rPr lang="en-US" altLang="ko-KR" dirty="0" smtClean="0"/>
-              <a:t>.</a:t>
-            </a:r>
-            <a:endParaRPr lang="ko-KR" altLang="en-US"/>
+            <a:pPr lvl="1"/>
+            <a:r>
+              <a:rPr lang="ko-KR" altLang="en-US" dirty="0"/>
+              <a:t>삭제되거나 접근 불가능한 소멸자가 있는 경우</a:t>
+            </a:r>
+            <a:endParaRPr lang="en-US" altLang="ko-KR" dirty="0"/>
+          </a:p>
+          <a:p>
+            <a:pPr lvl="1"/>
+            <a:r>
+              <a:rPr lang="en-US" altLang="ko-KR" dirty="0"/>
+              <a:t>Union</a:t>
+            </a:r>
+            <a:r>
+              <a:rPr lang="ko-KR" altLang="en-US" dirty="0"/>
+              <a:t>처럼 이동연산자가 명확하지 않은 경우</a:t>
+            </a:r>
           </a:p>
         </p:txBody>
       </p:sp>
     </p:spTree>
     <p:extLst>
       <p:ext uri="{BB962C8B-B14F-4D97-AF65-F5344CB8AC3E}">
-        <p14:creationId xmlns:p14="http://schemas.microsoft.com/office/powerpoint/2010/main" val="776509141"/>
+        <p14:creationId xmlns:p14="http://schemas.microsoft.com/office/powerpoint/2010/main" val="2346757170"/>
       </p:ext>
     </p:extLst>
   </p:cSld>
@@ -4474,18 +4507,355 @@
           <a:lstStyle/>
           <a:p>
             <a:r>
-              <a:rPr lang="ko-KR" altLang="en-US" dirty="0" smtClean="0"/>
+              <a:rPr lang="ko-KR" altLang="en-US" dirty="0"/>
+              <a:t>이동 연산자의 경우</a:t>
+            </a:r>
+          </a:p>
+        </p:txBody>
+      </p:sp>
+      <p:sp>
+        <p:nvSpPr>
+          <p:cNvPr id="3" name="내용 개체 틀 2"/>
+          <p:cNvSpPr>
+            <a:spLocks noGrp="1"/>
+          </p:cNvSpPr>
+          <p:nvPr>
+            <p:ph idx="1"/>
+          </p:nvPr>
+        </p:nvSpPr>
+        <p:spPr/>
+        <p:txBody>
+          <a:bodyPr/>
+          <a:lstStyle/>
+          <a:p>
+            <a:r>
+              <a:rPr lang="en-US" altLang="ko-KR" dirty="0"/>
+              <a:t>Widget(Widget&amp;&amp;)	// </a:t>
+            </a:r>
+            <a:r>
+              <a:rPr lang="ko-KR" altLang="en-US"/>
+              <a:t>이동 생성자</a:t>
+            </a:r>
+            <a:endParaRPr lang="en-US" altLang="ko-KR" dirty="0"/>
+          </a:p>
+          <a:p>
+            <a:r>
+              <a:rPr lang="en-US" altLang="ko-KR" dirty="0"/>
+              <a:t>Widget&amp; Widget::Operator(Widget&amp;&amp;) // </a:t>
+            </a:r>
+            <a:r>
+              <a:rPr lang="ko-KR" altLang="en-US"/>
+              <a:t>이동 할당 연산자</a:t>
+            </a:r>
+            <a:endParaRPr lang="en-US" altLang="ko-KR" dirty="0"/>
+          </a:p>
+          <a:p>
+            <a:r>
+              <a:rPr lang="ko-KR" altLang="en-US" dirty="0"/>
+              <a:t>당연히 이 친구들도 유저가 만들면 </a:t>
+            </a:r>
+            <a:r>
+              <a:rPr lang="ko-KR" altLang="en-US" dirty="0" err="1"/>
+              <a:t>안만들어</a:t>
+            </a:r>
+            <a:r>
+              <a:rPr lang="ko-KR" altLang="en-US" dirty="0"/>
+              <a:t> 줌</a:t>
+            </a:r>
+            <a:r>
+              <a:rPr lang="en-US" altLang="ko-KR" dirty="0"/>
+              <a:t>.</a:t>
+            </a:r>
+          </a:p>
+          <a:p>
+            <a:r>
+              <a:rPr lang="ko-KR" altLang="en-US" dirty="0"/>
+              <a:t>복사 연산자와는 다르게 이동 </a:t>
+            </a:r>
+            <a:r>
+              <a:rPr lang="ko-KR" altLang="en-US" dirty="0" err="1"/>
+              <a:t>생성자</a:t>
+            </a:r>
+            <a:r>
+              <a:rPr lang="ko-KR" altLang="en-US" dirty="0"/>
+              <a:t> 또는 이동 할당 연산자 중 하나만 있으면 다른 하나도 기본 생성하지 않는다</a:t>
+            </a:r>
+            <a:r>
+              <a:rPr lang="en-US" altLang="ko-KR" dirty="0"/>
+              <a:t>.</a:t>
+            </a:r>
+          </a:p>
+          <a:p>
+            <a:r>
+              <a:rPr lang="ko-KR" altLang="en-US" dirty="0"/>
+              <a:t>복사 연산자와 마찬가지로 복사 연산자가 존재하면 이동 연산자를 만들어 주지 않는다</a:t>
+            </a:r>
+            <a:r>
+              <a:rPr lang="en-US" altLang="ko-KR" dirty="0"/>
+              <a:t>.</a:t>
+            </a:r>
+          </a:p>
+          <a:p>
+            <a:r>
+              <a:rPr lang="en-US" altLang="ko-KR" dirty="0"/>
+              <a:t>!!! </a:t>
+            </a:r>
+            <a:r>
+              <a:rPr lang="ko-KR" altLang="en-US"/>
+              <a:t>유저가 작성한 소멸자가 있어도 안만들어준다 </a:t>
+            </a:r>
+            <a:r>
+              <a:rPr lang="en-US" altLang="ko-KR" dirty="0"/>
+              <a:t>!!!</a:t>
+            </a:r>
+            <a:endParaRPr lang="ko-KR" altLang="en-US"/>
+          </a:p>
+        </p:txBody>
+      </p:sp>
+    </p:spTree>
+    <p:extLst>
+      <p:ext uri="{BB962C8B-B14F-4D97-AF65-F5344CB8AC3E}">
+        <p14:creationId xmlns:p14="http://schemas.microsoft.com/office/powerpoint/2010/main" val="465170313"/>
+      </p:ext>
+    </p:extLst>
+  </p:cSld>
+  <p:clrMapOvr>
+    <a:masterClrMapping/>
+  </p:clrMapOvr>
+</p:sld>
+</file>
+
+<file path=ppt/slides/slide18.xml><?xml version="1.0" encoding="utf-8"?>
+<p:sld xmlns:a="http://schemas.openxmlformats.org/drawingml/2006/main" xmlns:r="http://schemas.openxmlformats.org/officeDocument/2006/relationships" xmlns:p="http://schemas.openxmlformats.org/presentationml/2006/main">
+  <p:cSld>
+    <p:spTree>
+      <p:nvGrpSpPr>
+        <p:cNvPr id="1" name=""/>
+        <p:cNvGrpSpPr/>
+        <p:nvPr/>
+      </p:nvGrpSpPr>
+      <p:grpSpPr>
+        <a:xfrm>
+          <a:off x="0" y="0"/>
+          <a:ext cx="0" cy="0"/>
+          <a:chOff x="0" y="0"/>
+          <a:chExt cx="0" cy="0"/>
+        </a:xfrm>
+      </p:grpSpPr>
+      <p:sp>
+        <p:nvSpPr>
+          <p:cNvPr id="2" name="제목 1"/>
+          <p:cNvSpPr>
+            <a:spLocks noGrp="1"/>
+          </p:cNvSpPr>
+          <p:nvPr>
+            <p:ph type="title"/>
+          </p:nvPr>
+        </p:nvSpPr>
+        <p:spPr/>
+        <p:txBody>
+          <a:bodyPr>
+            <a:normAutofit/>
+          </a:bodyPr>
+          <a:lstStyle/>
+          <a:p>
+            <a:r>
+              <a:rPr lang="ko-KR" altLang="en-US" sz="4000" dirty="0"/>
+              <a:t>미묘하게 복사 연산자와 이동 연산자가 다름</a:t>
+            </a:r>
+          </a:p>
+        </p:txBody>
+      </p:sp>
+      <p:sp>
+        <p:nvSpPr>
+          <p:cNvPr id="3" name="내용 개체 틀 2"/>
+          <p:cNvSpPr>
+            <a:spLocks noGrp="1"/>
+          </p:cNvSpPr>
+          <p:nvPr>
+            <p:ph idx="1"/>
+          </p:nvPr>
+        </p:nvSpPr>
+        <p:spPr/>
+        <p:txBody>
+          <a:bodyPr/>
+          <a:lstStyle/>
+          <a:p>
+            <a:r>
+              <a:rPr lang="en-US" altLang="ko-KR" dirty="0"/>
+              <a:t>C++98 </a:t>
+            </a:r>
+            <a:r>
+              <a:rPr lang="ko-KR" altLang="en-US"/>
+              <a:t>시절에는 소멸자를 유저가 정의했다고 해서 복사 연산자를 안만들어줄 이유가 없다고 생각했다</a:t>
+            </a:r>
+            <a:r>
+              <a:rPr lang="en-US" altLang="ko-KR" dirty="0"/>
+              <a:t>.</a:t>
+            </a:r>
+          </a:p>
+          <a:p>
+            <a:r>
+              <a:rPr lang="ko-KR" altLang="en-US" dirty="0"/>
+              <a:t>하지만</a:t>
+            </a:r>
+            <a:r>
+              <a:rPr lang="en-US" altLang="ko-KR" dirty="0"/>
+              <a:t> </a:t>
+            </a:r>
+            <a:r>
+              <a:rPr lang="ko-KR" altLang="en-US"/>
+              <a:t>복사</a:t>
+            </a:r>
+            <a:r>
+              <a:rPr lang="en-US" altLang="ko-KR" dirty="0"/>
+              <a:t>(</a:t>
+            </a:r>
+            <a:r>
+              <a:rPr lang="ko-KR" altLang="en-US"/>
+              <a:t>이동</a:t>
+            </a:r>
+            <a:r>
+              <a:rPr lang="en-US" altLang="ko-KR" dirty="0"/>
+              <a:t>)</a:t>
+            </a:r>
+            <a:r>
+              <a:rPr lang="ko-KR" altLang="en-US"/>
+              <a:t> 연산자를 따로 정의했다는 것은 기본 생성 연산자로는 불충분 하기 때문이며 이동</a:t>
+            </a:r>
+            <a:r>
+              <a:rPr lang="en-US" altLang="ko-KR" dirty="0"/>
+              <a:t>(</a:t>
+            </a:r>
+            <a:r>
+              <a:rPr lang="ko-KR" altLang="en-US"/>
+              <a:t>복사</a:t>
+            </a:r>
+            <a:r>
+              <a:rPr lang="en-US" altLang="ko-KR" dirty="0"/>
+              <a:t>)</a:t>
+            </a:r>
+            <a:r>
+              <a:rPr lang="ko-KR" altLang="en-US"/>
+              <a:t>연산도 마찬가지라는 개념을 가지고 만들어 주지 않게 된 것이다</a:t>
+            </a:r>
+            <a:r>
+              <a:rPr lang="en-US" altLang="ko-KR" dirty="0"/>
+              <a:t>.</a:t>
+            </a:r>
+          </a:p>
+          <a:p>
+            <a:r>
+              <a:rPr lang="ko-KR" altLang="en-US" dirty="0"/>
+              <a:t>이와 마찬가지로 </a:t>
+            </a:r>
+            <a:r>
+              <a:rPr lang="ko-KR" altLang="en-US" dirty="0" err="1"/>
+              <a:t>소멸자를</a:t>
+            </a:r>
+            <a:r>
+              <a:rPr lang="ko-KR" altLang="en-US" dirty="0"/>
+              <a:t> 별도 작성하였다는 것은 일반적으로 자원의 해제가 필요한 상황이므로 기본 복사</a:t>
+            </a:r>
+            <a:r>
+              <a:rPr lang="en-US" altLang="ko-KR" dirty="0"/>
+              <a:t>, </a:t>
+            </a:r>
+            <a:r>
+              <a:rPr lang="ko-KR" altLang="en-US"/>
+              <a:t>이동 연산자로는 충분하지 않은 상황이기 때문에 기본 작성이 안된다</a:t>
+            </a:r>
+            <a:r>
+              <a:rPr lang="en-US" altLang="ko-KR" dirty="0"/>
+              <a:t>.</a:t>
+            </a:r>
+          </a:p>
+          <a:p>
+            <a:r>
+              <a:rPr lang="ko-KR" altLang="en-US" dirty="0"/>
+              <a:t>단</a:t>
+            </a:r>
+            <a:r>
+              <a:rPr lang="en-US" altLang="ko-KR" dirty="0"/>
+              <a:t>, </a:t>
+            </a:r>
+            <a:r>
+              <a:rPr lang="ko-KR" altLang="en-US"/>
+              <a:t>복사 연산자들은 </a:t>
+            </a:r>
+            <a:r>
+              <a:rPr lang="en-US" altLang="ko-KR" dirty="0"/>
+              <a:t>C++98</a:t>
+            </a:r>
+            <a:r>
+              <a:rPr lang="ko-KR" altLang="en-US"/>
+              <a:t>시절에 작성된 코드가 존재하기 때문에 호환성을 위해 소멸자가 있어도 만들어 주게 되었다</a:t>
+            </a:r>
+            <a:r>
+              <a:rPr lang="en-US" altLang="ko-KR" dirty="0"/>
+              <a:t>.</a:t>
+            </a:r>
+            <a:endParaRPr lang="ko-KR" altLang="en-US"/>
+          </a:p>
+        </p:txBody>
+      </p:sp>
+    </p:spTree>
+    <p:extLst>
+      <p:ext uri="{BB962C8B-B14F-4D97-AF65-F5344CB8AC3E}">
+        <p14:creationId xmlns:p14="http://schemas.microsoft.com/office/powerpoint/2010/main" val="776509141"/>
+      </p:ext>
+    </p:extLst>
+  </p:cSld>
+  <p:clrMapOvr>
+    <a:masterClrMapping/>
+  </p:clrMapOvr>
+</p:sld>
+</file>
+
+<file path=ppt/slides/slide19.xml><?xml version="1.0" encoding="utf-8"?>
+<p:sld xmlns:a="http://schemas.openxmlformats.org/drawingml/2006/main" xmlns:r="http://schemas.openxmlformats.org/officeDocument/2006/relationships" xmlns:p="http://schemas.openxmlformats.org/presentationml/2006/main">
+  <p:cSld>
+    <p:spTree>
+      <p:nvGrpSpPr>
+        <p:cNvPr id="1" name=""/>
+        <p:cNvGrpSpPr/>
+        <p:nvPr/>
+      </p:nvGrpSpPr>
+      <p:grpSpPr>
+        <a:xfrm>
+          <a:off x="0" y="0"/>
+          <a:ext cx="0" cy="0"/>
+          <a:chOff x="0" y="0"/>
+          <a:chExt cx="0" cy="0"/>
+        </a:xfrm>
+      </p:grpSpPr>
+      <p:sp>
+        <p:nvSpPr>
+          <p:cNvPr id="2" name="제목 1"/>
+          <p:cNvSpPr>
+            <a:spLocks noGrp="1"/>
+          </p:cNvSpPr>
+          <p:nvPr>
+            <p:ph type="title"/>
+          </p:nvPr>
+        </p:nvSpPr>
+        <p:spPr/>
+        <p:txBody>
+          <a:bodyPr/>
+          <a:lstStyle/>
+          <a:p>
+            <a:r>
+              <a:rPr lang="ko-KR" altLang="en-US" dirty="0"/>
               <a:t>이걸 알아둬야 하는 이유</a:t>
             </a:r>
             <a:r>
-              <a:rPr lang="en-US" altLang="ko-KR" dirty="0" smtClean="0"/>
+              <a:rPr lang="en-US" altLang="ko-KR" dirty="0"/>
               <a:t>! By </a:t>
             </a:r>
             <a:r>
-              <a:rPr lang="ko-KR" altLang="en-US" smtClean="0"/>
+              <a:rPr lang="ko-KR" altLang="en-US"/>
               <a:t>예시</a:t>
             </a:r>
-            <a:endParaRPr lang="ko-KR" altLang="en-US"/>
           </a:p>
         </p:txBody>
       </p:sp>
@@ -4550,7 +4920,7 @@
 </p:sld>
 </file>
 
-<file path=ppt/slides/slide18.xml><?xml version="1.0" encoding="utf-8"?>
+<file path=ppt/slides/slide2.xml><?xml version="1.0" encoding="utf-8"?>
 <p:sld xmlns:a="http://schemas.openxmlformats.org/drawingml/2006/main" xmlns:r="http://schemas.openxmlformats.org/officeDocument/2006/relationships" xmlns:p="http://schemas.openxmlformats.org/presentationml/2006/main">
   <p:cSld>
     <p:spTree>
@@ -4583,10 +4953,284 @@
           <a:lstStyle/>
           <a:p>
             <a:r>
-              <a:rPr lang="ko-KR" altLang="en-US" dirty="0" smtClean="0"/>
+              <a:rPr lang="en-US" altLang="ko-KR" dirty="0"/>
+              <a:t>0</a:t>
+            </a:r>
+            <a:r>
+              <a:rPr lang="ko-KR" altLang="en-US"/>
+              <a:t>과 </a:t>
+            </a:r>
+            <a:r>
+              <a:rPr lang="en-US" altLang="ko-KR" dirty="0"/>
+              <a:t>NULL</a:t>
+            </a:r>
+            <a:r>
+              <a:rPr lang="ko-KR" altLang="en-US"/>
+              <a:t>보다 </a:t>
+            </a:r>
+            <a:r>
+              <a:rPr lang="en-US" altLang="ko-KR" dirty="0" err="1"/>
+              <a:t>nullptr</a:t>
+            </a:r>
+            <a:r>
+              <a:rPr lang="ko-KR" altLang="en-US"/>
+              <a:t>을 선호하라</a:t>
+            </a:r>
+            <a:endParaRPr lang="ko-KR" altLang="en-US" dirty="0"/>
+          </a:p>
+        </p:txBody>
+      </p:sp>
+      <p:sp>
+        <p:nvSpPr>
+          <p:cNvPr id="3" name="내용 개체 틀 2"/>
+          <p:cNvSpPr>
+            <a:spLocks noGrp="1"/>
+          </p:cNvSpPr>
+          <p:nvPr>
+            <p:ph idx="1"/>
+          </p:nvPr>
+        </p:nvSpPr>
+        <p:spPr/>
+        <p:txBody>
+          <a:bodyPr>
+            <a:normAutofit/>
+          </a:bodyPr>
+          <a:lstStyle/>
+          <a:p>
+            <a:r>
+              <a:rPr lang="ko-KR" altLang="en-US" sz="2000" dirty="0"/>
+              <a:t>앞에 전제 조건이 빠진 것 같다</a:t>
+            </a:r>
+            <a:r>
+              <a:rPr lang="en-US" altLang="ko-KR" sz="2000" dirty="0"/>
+              <a:t>. (“</a:t>
+            </a:r>
+            <a:r>
+              <a:rPr lang="ko-KR" altLang="en-US" sz="2000"/>
+              <a:t>빈</a:t>
+            </a:r>
+            <a:r>
+              <a:rPr lang="en-US" altLang="ko-KR" sz="2000" dirty="0"/>
+              <a:t> </a:t>
+            </a:r>
+            <a:r>
+              <a:rPr lang="ko-KR" altLang="en-US" sz="2000"/>
+              <a:t>포인터를 나타낼 때</a:t>
+            </a:r>
+            <a:r>
+              <a:rPr lang="en-US" altLang="ko-KR" sz="2000" dirty="0"/>
+              <a:t>”)</a:t>
+            </a:r>
+          </a:p>
+          <a:p>
+            <a:r>
+              <a:rPr lang="ko-KR" altLang="en-US" sz="2000" dirty="0"/>
+              <a:t>당연하게도 아래 식은 올바르다</a:t>
+            </a:r>
+            <a:r>
+              <a:rPr lang="en-US" altLang="ko-KR" sz="2000" dirty="0"/>
+              <a:t>.(0</a:t>
+            </a:r>
+            <a:r>
+              <a:rPr lang="ko-KR" altLang="en-US" sz="2000"/>
+              <a:t>은 </a:t>
+            </a:r>
+            <a:r>
+              <a:rPr lang="en-US" altLang="ko-KR" sz="2000" dirty="0" err="1"/>
+              <a:t>int</a:t>
+            </a:r>
+            <a:r>
+              <a:rPr lang="ko-KR" altLang="en-US" sz="2000"/>
+              <a:t>로 판단된다</a:t>
+            </a:r>
+            <a:r>
+              <a:rPr lang="en-US" altLang="ko-KR" sz="2000" dirty="0"/>
+              <a:t>.)</a:t>
+            </a:r>
+            <a:br>
+              <a:rPr lang="en-US" altLang="ko-KR" sz="2000" dirty="0"/>
+            </a:br>
+            <a:endParaRPr lang="en-US" altLang="ko-KR" sz="2000" dirty="0"/>
+          </a:p>
+          <a:p>
+            <a:endParaRPr lang="en-US" altLang="ko-KR" sz="2000" dirty="0"/>
+          </a:p>
+          <a:p>
+            <a:endParaRPr lang="en-US" altLang="ko-KR" sz="2000" dirty="0"/>
+          </a:p>
+          <a:p>
+            <a:r>
+              <a:rPr lang="ko-KR" altLang="en-US" sz="2000" dirty="0"/>
+              <a:t>그렇다면 </a:t>
+            </a:r>
+            <a:r>
+              <a:rPr lang="en-US" altLang="ko-KR" sz="2000" dirty="0"/>
+              <a:t>NULL</a:t>
+            </a:r>
+            <a:r>
+              <a:rPr lang="ko-KR" altLang="en-US" sz="2000"/>
+              <a:t>은</a:t>
+            </a:r>
+            <a:r>
+              <a:rPr lang="en-US" altLang="ko-KR" sz="2000" dirty="0"/>
+              <a:t>? </a:t>
+            </a:r>
+            <a:r>
+              <a:rPr lang="ko-KR" altLang="en-US" sz="2000"/>
+              <a:t>→</a:t>
+            </a:r>
+            <a:r>
+              <a:rPr lang="en-US" altLang="ko-KR" sz="2000" dirty="0"/>
+              <a:t> 0</a:t>
+            </a:r>
+            <a:r>
+              <a:rPr lang="ko-KR" altLang="en-US" sz="2000"/>
+              <a:t>이다</a:t>
+            </a:r>
+            <a:r>
+              <a:rPr lang="en-US" altLang="ko-KR" sz="2000" dirty="0"/>
+              <a:t>?(</a:t>
+            </a:r>
+            <a:r>
+              <a:rPr lang="en-US" altLang="ko-KR" sz="2000" dirty="0" err="1"/>
+              <a:t>stdio.h</a:t>
+            </a:r>
+            <a:r>
+              <a:rPr lang="en-US" altLang="ko-KR" sz="2000" dirty="0"/>
+              <a:t>(vs2010), </a:t>
+            </a:r>
+            <a:r>
+              <a:rPr lang="en-US" altLang="ko-KR" sz="2000" dirty="0" err="1"/>
+              <a:t>vcruntime.h</a:t>
+            </a:r>
+            <a:r>
+              <a:rPr lang="en-US" altLang="ko-KR" sz="2000" dirty="0"/>
+              <a:t>(vs2015))</a:t>
+            </a:r>
+          </a:p>
+        </p:txBody>
+      </p:sp>
+      <p:pic>
+        <p:nvPicPr>
+          <p:cNvPr id="4" name="그림 3"/>
+          <p:cNvPicPr>
+            <a:picLocks noChangeAspect="1"/>
+          </p:cNvPicPr>
+          <p:nvPr/>
+        </p:nvPicPr>
+        <p:blipFill>
+          <a:blip r:embed="rId2"/>
+          <a:stretch>
+            <a:fillRect/>
+          </a:stretch>
+        </p:blipFill>
+        <p:spPr>
+          <a:xfrm>
+            <a:off x="1229507" y="2629554"/>
+            <a:ext cx="2546427" cy="485034"/>
+          </a:xfrm>
+          <a:prstGeom prst="rect">
+            <a:avLst/>
+          </a:prstGeom>
+        </p:spPr>
+      </p:pic>
+      <p:pic>
+        <p:nvPicPr>
+          <p:cNvPr id="5" name="그림 4"/>
+          <p:cNvPicPr>
+            <a:picLocks noChangeAspect="1"/>
+          </p:cNvPicPr>
+          <p:nvPr/>
+        </p:nvPicPr>
+        <p:blipFill>
+          <a:blip r:embed="rId3"/>
+          <a:stretch>
+            <a:fillRect/>
+          </a:stretch>
+        </p:blipFill>
+        <p:spPr>
+          <a:xfrm>
+            <a:off x="1192521" y="3114588"/>
+            <a:ext cx="2583413" cy="555434"/>
+          </a:xfrm>
+          <a:prstGeom prst="rect">
+            <a:avLst/>
+          </a:prstGeom>
+        </p:spPr>
+      </p:pic>
+      <p:pic>
+        <p:nvPicPr>
+          <p:cNvPr id="7" name="그림 6"/>
+          <p:cNvPicPr>
+            <a:picLocks noChangeAspect="1"/>
+          </p:cNvPicPr>
+          <p:nvPr/>
+        </p:nvPicPr>
+        <p:blipFill>
+          <a:blip r:embed="rId4"/>
+          <a:stretch>
+            <a:fillRect/>
+          </a:stretch>
+        </p:blipFill>
+        <p:spPr>
+          <a:xfrm>
+            <a:off x="1192521" y="4106061"/>
+            <a:ext cx="3924300" cy="1943100"/>
+          </a:xfrm>
+          <a:prstGeom prst="rect">
+            <a:avLst/>
+          </a:prstGeom>
+        </p:spPr>
+      </p:pic>
+    </p:spTree>
+    <p:extLst>
+      <p:ext uri="{BB962C8B-B14F-4D97-AF65-F5344CB8AC3E}">
+        <p14:creationId xmlns:p14="http://schemas.microsoft.com/office/powerpoint/2010/main" val="4161093695"/>
+      </p:ext>
+    </p:extLst>
+  </p:cSld>
+  <p:clrMapOvr>
+    <a:masterClrMapping/>
+  </p:clrMapOvr>
+</p:sld>
+</file>
+
+<file path=ppt/slides/slide20.xml><?xml version="1.0" encoding="utf-8"?>
+<p:sld xmlns:a="http://schemas.openxmlformats.org/drawingml/2006/main" xmlns:r="http://schemas.openxmlformats.org/officeDocument/2006/relationships" xmlns:p="http://schemas.openxmlformats.org/presentationml/2006/main">
+  <p:cSld>
+    <p:spTree>
+      <p:nvGrpSpPr>
+        <p:cNvPr id="1" name=""/>
+        <p:cNvGrpSpPr/>
+        <p:nvPr/>
+      </p:nvGrpSpPr>
+      <p:grpSpPr>
+        <a:xfrm>
+          <a:off x="0" y="0"/>
+          <a:ext cx="0" cy="0"/>
+          <a:chOff x="0" y="0"/>
+          <a:chExt cx="0" cy="0"/>
+        </a:xfrm>
+      </p:grpSpPr>
+      <p:sp>
+        <p:nvSpPr>
+          <p:cNvPr id="2" name="제목 1"/>
+          <p:cNvSpPr>
+            <a:spLocks noGrp="1"/>
+          </p:cNvSpPr>
+          <p:nvPr>
+            <p:ph type="title"/>
+          </p:nvPr>
+        </p:nvSpPr>
+        <p:spPr/>
+        <p:txBody>
+          <a:bodyPr/>
+          <a:lstStyle/>
+          <a:p>
+            <a:r>
+              <a:rPr lang="ko-KR" altLang="en-US" dirty="0"/>
               <a:t>실행 결과</a:t>
             </a:r>
-            <a:endParaRPr lang="ko-KR" altLang="en-US" dirty="0"/>
           </a:p>
         </p:txBody>
       </p:sp>
@@ -4733,23 +5377,23 @@
           <a:lstStyle/>
           <a:p>
             <a:r>
-              <a:rPr lang="en-US" altLang="ko-KR" dirty="0" err="1" smtClean="0"/>
+              <a:rPr lang="en-US" altLang="ko-KR" dirty="0" err="1"/>
               <a:t>a,b,d</a:t>
             </a:r>
             <a:r>
-              <a:rPr lang="ko-KR" altLang="en-US" smtClean="0"/>
+              <a:rPr lang="ko-KR" altLang="en-US"/>
               <a:t>는 이동이 되었지만 </a:t>
             </a:r>
             <a:r>
-              <a:rPr lang="en-US" altLang="ko-KR" dirty="0" smtClean="0"/>
+              <a:rPr lang="en-US" altLang="ko-KR" dirty="0"/>
               <a:t>c</a:t>
             </a:r>
             <a:r>
-              <a:rPr lang="ko-KR" altLang="en-US" smtClean="0"/>
+              <a:rPr lang="ko-KR" altLang="en-US"/>
               <a:t>는 부모의 복사생성자를 불러버렸다</a:t>
             </a:r>
             <a:r>
-              <a:rPr lang="en-US" altLang="ko-KR" dirty="0" smtClean="0"/>
+              <a:rPr lang="en-US" altLang="ko-KR" dirty="0"/>
               <a:t>.</a:t>
             </a:r>
           </a:p>
@@ -4758,30 +5402,26 @@
           </a:p>
           <a:p>
             <a:r>
-              <a:rPr lang="ko-KR" altLang="en-US" dirty="0" smtClean="0"/>
+              <a:rPr lang="ko-KR" altLang="en-US" dirty="0"/>
               <a:t>클래스 </a:t>
             </a:r>
             <a:r>
-              <a:rPr lang="en-US" altLang="ko-KR" dirty="0" smtClean="0"/>
+              <a:rPr lang="en-US" altLang="ko-KR" dirty="0"/>
               <a:t>B</a:t>
             </a:r>
             <a:r>
-              <a:rPr lang="ko-KR" altLang="en-US" smtClean="0"/>
+              <a:rPr lang="ko-KR" altLang="en-US"/>
               <a:t>가 있었을 때 소멸자에서 뭔가 추가작업을 하고 싶어 소멸자를 만들게 되면</a:t>
             </a:r>
-            <a:r>
-              <a:rPr lang="en-US" altLang="ko-KR" dirty="0" smtClean="0"/>
-              <a:t/>
-            </a:r>
             <a:br>
-              <a:rPr lang="en-US" altLang="ko-KR" dirty="0" smtClean="0"/>
+              <a:rPr lang="en-US" altLang="ko-KR" dirty="0"/>
             </a:br>
             <a:r>
-              <a:rPr lang="ko-KR" altLang="en-US" smtClean="0"/>
+              <a:rPr lang="ko-KR" altLang="en-US"/>
               <a:t>기존에 잘 동작하던 기본 이동연산자가 사라질 수 있다</a:t>
             </a:r>
             <a:r>
-              <a:rPr lang="en-US" altLang="ko-KR" dirty="0" smtClean="0"/>
+              <a:rPr lang="en-US" altLang="ko-KR" dirty="0"/>
               <a:t>!</a:t>
             </a:r>
           </a:p>
@@ -4790,19 +5430,19 @@
           </a:p>
           <a:p>
             <a:r>
-              <a:rPr lang="ko-KR" altLang="en-US" dirty="0" smtClean="0"/>
+              <a:rPr lang="ko-KR" altLang="en-US" dirty="0"/>
               <a:t>이때 클래스의 사이즈가 크다면 복사 비용과 메모리 공간 모두 </a:t>
             </a:r>
             <a:r>
-              <a:rPr lang="ko-KR" altLang="en-US" dirty="0" err="1" smtClean="0"/>
+              <a:rPr lang="ko-KR" altLang="en-US" dirty="0" err="1"/>
               <a:t>안좋아지게</a:t>
             </a:r>
             <a:r>
-              <a:rPr lang="ko-KR" altLang="en-US" dirty="0" smtClean="0"/>
+              <a:rPr lang="ko-KR" altLang="en-US" dirty="0"/>
               <a:t> 되므로 규칙을 숙지해야 한다</a:t>
             </a:r>
             <a:r>
-              <a:rPr lang="en-US" altLang="ko-KR" dirty="0" smtClean="0"/>
+              <a:rPr lang="en-US" altLang="ko-KR" dirty="0"/>
               <a:t>.</a:t>
             </a:r>
           </a:p>
@@ -4821,7 +5461,7 @@
 </p:sld>
 </file>
 
-<file path=ppt/slides/slide19.xml><?xml version="1.0" encoding="utf-8"?>
+<file path=ppt/slides/slide21.xml><?xml version="1.0" encoding="utf-8"?>
 <p:sld xmlns:a="http://schemas.openxmlformats.org/drawingml/2006/main" xmlns:r="http://schemas.openxmlformats.org/officeDocument/2006/relationships" xmlns:p="http://schemas.openxmlformats.org/presentationml/2006/main">
   <p:cSld>
     <p:spTree>
@@ -4854,10 +5494,9 @@
           <a:lstStyle/>
           <a:p>
             <a:r>
-              <a:rPr lang="ko-KR" altLang="en-US" dirty="0" smtClean="0"/>
+              <a:rPr lang="ko-KR" altLang="en-US" dirty="0"/>
               <a:t>추가 정보</a:t>
             </a:r>
-            <a:endParaRPr lang="ko-KR" altLang="en-US" dirty="0"/>
           </a:p>
         </p:txBody>
       </p:sp>
@@ -4877,43 +5516,43 @@
           <a:lstStyle/>
           <a:p>
             <a:r>
-              <a:rPr lang="ko-KR" altLang="en-US" dirty="0" smtClean="0"/>
+              <a:rPr lang="ko-KR" altLang="en-US" dirty="0"/>
               <a:t>템플릿으로 복사 </a:t>
             </a:r>
             <a:r>
-              <a:rPr lang="ko-KR" altLang="en-US" dirty="0" err="1" smtClean="0"/>
+              <a:rPr lang="ko-KR" altLang="en-US" dirty="0" err="1"/>
               <a:t>생성자</a:t>
             </a:r>
             <a:r>
-              <a:rPr lang="ko-KR" altLang="en-US" dirty="0" smtClean="0"/>
+              <a:rPr lang="ko-KR" altLang="en-US" dirty="0"/>
               <a:t> 형식이나 복사 할당 연산자 형식으로 함수를 만든다고 해서 기본 복사</a:t>
             </a:r>
             <a:r>
-              <a:rPr lang="en-US" altLang="ko-KR" dirty="0" smtClean="0"/>
+              <a:rPr lang="en-US" altLang="ko-KR" dirty="0"/>
               <a:t>, </a:t>
             </a:r>
             <a:r>
-              <a:rPr lang="ko-KR" altLang="en-US" smtClean="0"/>
+              <a:rPr lang="ko-KR" altLang="en-US"/>
               <a:t>이동 연산자를 안만들지는 않는다</a:t>
             </a:r>
             <a:r>
-              <a:rPr lang="en-US" altLang="ko-KR" dirty="0" smtClean="0"/>
+              <a:rPr lang="en-US" altLang="ko-KR" dirty="0"/>
               <a:t>.(</a:t>
             </a:r>
             <a:r>
-              <a:rPr lang="ko-KR" altLang="en-US" smtClean="0"/>
+              <a:rPr lang="ko-KR" altLang="en-US"/>
               <a:t>항목 </a:t>
             </a:r>
             <a:r>
-              <a:rPr lang="en-US" altLang="ko-KR" dirty="0" smtClean="0"/>
+              <a:rPr lang="en-US" altLang="ko-KR" dirty="0"/>
               <a:t>26</a:t>
             </a:r>
             <a:r>
-              <a:rPr lang="ko-KR" altLang="en-US" smtClean="0"/>
+              <a:rPr lang="ko-KR" altLang="en-US"/>
               <a:t>에서 나온다고 함</a:t>
             </a:r>
             <a:r>
-              <a:rPr lang="en-US" altLang="ko-KR" dirty="0" smtClean="0"/>
+              <a:rPr lang="en-US" altLang="ko-KR" dirty="0"/>
               <a:t>)</a:t>
             </a:r>
             <a:endParaRPr lang="ko-KR" altLang="en-US" dirty="0"/>
@@ -4933,7 +5572,7 @@
 </p:sld>
 </file>
 
-<file path=ppt/slides/slide2.xml><?xml version="1.0" encoding="utf-8"?>
+<file path=ppt/slides/slide22.xml><?xml version="1.0" encoding="utf-8"?>
 <p:sld xmlns:a="http://schemas.openxmlformats.org/drawingml/2006/main" xmlns:r="http://schemas.openxmlformats.org/officeDocument/2006/relationships" xmlns:p="http://schemas.openxmlformats.org/presentationml/2006/main">
   <p:cSld>
     <p:spTree>
@@ -4952,7 +5591,13 @@
       </p:grpSpPr>
       <p:sp>
         <p:nvSpPr>
-          <p:cNvPr id="2" name="제목 1"/>
+          <p:cNvPr id="2" name="제목 1">
+            <a:extLst>
+              <a:ext uri="{FF2B5EF4-FFF2-40B4-BE49-F238E27FC236}">
+                <a16:creationId xmlns:a16="http://schemas.microsoft.com/office/drawing/2014/main" id="{5F48059D-5FFE-4C92-873E-E2C4573BA998}"/>
+              </a:ext>
+            </a:extLst>
+          </p:cNvPr>
           <p:cNvSpPr>
             <a:spLocks noGrp="1"/>
           </p:cNvSpPr>
@@ -4966,252 +5611,114 @@
           <a:lstStyle/>
           <a:p>
             <a:r>
-              <a:rPr lang="en-US" altLang="ko-KR" dirty="0" smtClean="0"/>
-              <a:t>0</a:t>
-            </a:r>
-            <a:r>
-              <a:rPr lang="ko-KR" altLang="en-US" smtClean="0"/>
-              <a:t>과 </a:t>
-            </a:r>
-            <a:r>
-              <a:rPr lang="en-US" altLang="ko-KR" dirty="0" smtClean="0"/>
-              <a:t>NULL</a:t>
-            </a:r>
-            <a:r>
-              <a:rPr lang="ko-KR" altLang="en-US" smtClean="0"/>
-              <a:t>보다 </a:t>
-            </a:r>
-            <a:r>
-              <a:rPr lang="en-US" altLang="ko-KR" dirty="0" err="1" smtClean="0"/>
-              <a:t>nullptr</a:t>
-            </a:r>
-            <a:r>
-              <a:rPr lang="ko-KR" altLang="en-US" smtClean="0"/>
-              <a:t>을 선호하라</a:t>
+              <a:rPr lang="ko-KR" altLang="en-US" dirty="0"/>
+              <a:t>참고</a:t>
+            </a:r>
+          </a:p>
+        </p:txBody>
+      </p:sp>
+      <p:sp>
+        <p:nvSpPr>
+          <p:cNvPr id="3" name="내용 개체 틀 2">
+            <a:extLst>
+              <a:ext uri="{FF2B5EF4-FFF2-40B4-BE49-F238E27FC236}">
+                <a16:creationId xmlns:a16="http://schemas.microsoft.com/office/drawing/2014/main" id="{46FD0C7D-4DD5-4246-8CBC-6D4D36A5EDA9}"/>
+              </a:ext>
+            </a:extLst>
+          </p:cNvPr>
+          <p:cNvSpPr>
+            <a:spLocks noGrp="1"/>
+          </p:cNvSpPr>
+          <p:nvPr>
+            <p:ph idx="1"/>
+          </p:nvPr>
+        </p:nvSpPr>
+        <p:spPr/>
+        <p:txBody>
+          <a:bodyPr/>
+          <a:lstStyle/>
+          <a:p>
+            <a:r>
+              <a:rPr lang="en-US" altLang="ko-KR" dirty="0">
+                <a:hlinkClick r:id="rId2"/>
+              </a:rPr>
+              <a:t>https://en.cppreference.com/</a:t>
+            </a:r>
+            <a:endParaRPr lang="en-US" altLang="ko-KR" dirty="0"/>
+          </a:p>
+          <a:p>
+            <a:r>
+              <a:rPr lang="en-US" altLang="ko-KR" dirty="0">
+                <a:hlinkClick r:id="rId3"/>
+              </a:rPr>
+              <a:t>https://stackoverflow.com/</a:t>
+            </a:r>
+            <a:endParaRPr lang="en-US" altLang="ko-KR" dirty="0"/>
+          </a:p>
+          <a:p>
+            <a:r>
+              <a:rPr lang="en-US" altLang="ko-KR" dirty="0">
+                <a:hlinkClick r:id="rId4"/>
+              </a:rPr>
+              <a:t>http://www.cplusplus.com/</a:t>
+            </a:r>
+            <a:endParaRPr lang="en-US" altLang="ko-KR" dirty="0"/>
+          </a:p>
+          <a:p>
+            <a:r>
+              <a:rPr lang="en-US" altLang="ko-KR" dirty="0">
+                <a:hlinkClick r:id="rId5"/>
+              </a:rPr>
+              <a:t>https://en.wikipedia.org/</a:t>
+            </a:r>
+            <a:endParaRPr lang="en-US" altLang="ko-KR" dirty="0"/>
+          </a:p>
+          <a:p>
+            <a:pPr marL="0" indent="0">
+              <a:buNone/>
+            </a:pPr>
+            <a:endParaRPr lang="en-US" altLang="ko-KR" dirty="0"/>
+          </a:p>
+          <a:p>
+            <a:r>
+              <a:rPr lang="ko-KR" altLang="en-US" dirty="0"/>
+              <a:t>최동민</a:t>
+            </a:r>
+            <a:endParaRPr lang="en-US" altLang="ko-KR" dirty="0"/>
+          </a:p>
+          <a:p>
+            <a:r>
+              <a:rPr lang="en-US" altLang="ko-KR" dirty="0"/>
+              <a:t>Modern Effective C++</a:t>
+            </a:r>
+          </a:p>
+          <a:p>
+            <a:r>
+              <a:rPr lang="en-US" altLang="ko-KR" dirty="0"/>
+              <a:t>And </a:t>
+            </a:r>
+            <a:r>
+              <a:rPr lang="ko-KR" altLang="en-US" dirty="0" err="1"/>
+              <a:t>어윤욱</a:t>
+            </a:r>
+            <a:r>
+              <a:rPr lang="en-US" altLang="ko-KR" dirty="0"/>
+              <a:t>…</a:t>
             </a:r>
             <a:endParaRPr lang="ko-KR" altLang="en-US" dirty="0"/>
           </a:p>
         </p:txBody>
       </p:sp>
-      <p:sp>
-        <p:nvSpPr>
-          <p:cNvPr id="3" name="내용 개체 틀 2"/>
-          <p:cNvSpPr>
-            <a:spLocks noGrp="1"/>
-          </p:cNvSpPr>
-          <p:nvPr>
-            <p:ph idx="1"/>
-          </p:nvPr>
-        </p:nvSpPr>
-        <p:spPr/>
-        <p:txBody>
-          <a:bodyPr>
-            <a:normAutofit/>
-          </a:bodyPr>
-          <a:lstStyle/>
-          <a:p>
-            <a:r>
-              <a:rPr lang="ko-KR" altLang="en-US" sz="2000" dirty="0" smtClean="0"/>
-              <a:t>앞에 전제 조건이 빠진 것 같다</a:t>
-            </a:r>
-            <a:r>
-              <a:rPr lang="en-US" altLang="ko-KR" sz="2000" dirty="0" smtClean="0"/>
-              <a:t>. (“</a:t>
-            </a:r>
-            <a:r>
-              <a:rPr lang="ko-KR" altLang="en-US" sz="2000" smtClean="0"/>
-              <a:t>빈</a:t>
-            </a:r>
-            <a:r>
-              <a:rPr lang="en-US" altLang="ko-KR" sz="2000" dirty="0" smtClean="0"/>
-              <a:t> </a:t>
-            </a:r>
-            <a:r>
-              <a:rPr lang="ko-KR" altLang="en-US" sz="2000" smtClean="0"/>
-              <a:t>포인터를 나타낼 때</a:t>
-            </a:r>
-            <a:r>
-              <a:rPr lang="en-US" altLang="ko-KR" sz="2000" dirty="0" smtClean="0"/>
-              <a:t>”)</a:t>
-            </a:r>
-          </a:p>
-          <a:p>
-            <a:r>
-              <a:rPr lang="ko-KR" altLang="en-US" sz="2000" dirty="0" smtClean="0"/>
-              <a:t>당연하게도 아래 식은 올바르다</a:t>
-            </a:r>
-            <a:r>
-              <a:rPr lang="en-US" altLang="ko-KR" sz="2000" dirty="0" smtClean="0"/>
-              <a:t>.(0</a:t>
-            </a:r>
-            <a:r>
-              <a:rPr lang="ko-KR" altLang="en-US" sz="2000" smtClean="0"/>
-              <a:t>은 </a:t>
-            </a:r>
-            <a:r>
-              <a:rPr lang="en-US" altLang="ko-KR" sz="2000" dirty="0" err="1" smtClean="0"/>
-              <a:t>int</a:t>
-            </a:r>
-            <a:r>
-              <a:rPr lang="ko-KR" altLang="en-US" sz="2000" smtClean="0"/>
-              <a:t>로 판단된다</a:t>
-            </a:r>
-            <a:r>
-              <a:rPr lang="en-US" altLang="ko-KR" sz="2000" dirty="0" smtClean="0"/>
-              <a:t>.)</a:t>
-            </a:r>
-            <a:br>
-              <a:rPr lang="en-US" altLang="ko-KR" sz="2000" dirty="0" smtClean="0"/>
-            </a:br>
-            <a:endParaRPr lang="en-US" altLang="ko-KR" sz="2000" dirty="0" smtClean="0"/>
-          </a:p>
-          <a:p>
-            <a:endParaRPr lang="en-US" altLang="ko-KR" sz="2000" dirty="0"/>
-          </a:p>
-          <a:p>
-            <a:endParaRPr lang="en-US" altLang="ko-KR" sz="2000" dirty="0" smtClean="0"/>
-          </a:p>
-          <a:p>
-            <a:r>
-              <a:rPr lang="ko-KR" altLang="en-US" sz="2000" dirty="0" smtClean="0"/>
-              <a:t>그렇다면 </a:t>
-            </a:r>
-            <a:r>
-              <a:rPr lang="en-US" altLang="ko-KR" sz="2000" dirty="0" smtClean="0"/>
-              <a:t>NULL</a:t>
-            </a:r>
-            <a:r>
-              <a:rPr lang="ko-KR" altLang="en-US" sz="2000" smtClean="0"/>
-              <a:t>은</a:t>
-            </a:r>
-            <a:r>
-              <a:rPr lang="en-US" altLang="ko-KR" sz="2000" dirty="0" smtClean="0"/>
-              <a:t>? </a:t>
-            </a:r>
-            <a:r>
-              <a:rPr lang="ko-KR" altLang="en-US" sz="2000" smtClean="0"/>
-              <a:t>→</a:t>
-            </a:r>
-            <a:r>
-              <a:rPr lang="en-US" altLang="ko-KR" sz="2000" dirty="0" smtClean="0"/>
-              <a:t> 0</a:t>
-            </a:r>
-            <a:r>
-              <a:rPr lang="ko-KR" altLang="en-US" sz="2000" smtClean="0"/>
-              <a:t>이다</a:t>
-            </a:r>
-            <a:r>
-              <a:rPr lang="en-US" altLang="ko-KR" sz="2000" dirty="0" smtClean="0"/>
-              <a:t>?(</a:t>
-            </a:r>
-            <a:r>
-              <a:rPr lang="en-US" altLang="ko-KR" sz="2000" dirty="0" err="1" smtClean="0"/>
-              <a:t>stdio.h</a:t>
-            </a:r>
-            <a:r>
-              <a:rPr lang="en-US" altLang="ko-KR" sz="2000" dirty="0" smtClean="0"/>
-              <a:t>(vs2010), </a:t>
-            </a:r>
-            <a:r>
-              <a:rPr lang="en-US" altLang="ko-KR" sz="2000" dirty="0" err="1" smtClean="0"/>
-              <a:t>vcruntime.h</a:t>
-            </a:r>
-            <a:r>
-              <a:rPr lang="en-US" altLang="ko-KR" sz="2000" dirty="0" smtClean="0"/>
-              <a:t>(vs2015))</a:t>
-            </a:r>
-          </a:p>
-        </p:txBody>
-      </p:sp>
-      <p:pic>
-        <p:nvPicPr>
-          <p:cNvPr id="4" name="그림 3"/>
-          <p:cNvPicPr>
-            <a:picLocks noChangeAspect="1"/>
-          </p:cNvPicPr>
-          <p:nvPr/>
-        </p:nvPicPr>
-        <p:blipFill>
-          <a:blip r:embed="rId2"/>
-          <a:stretch>
-            <a:fillRect/>
-          </a:stretch>
-        </p:blipFill>
-        <p:spPr>
-          <a:xfrm>
-            <a:off x="1229507" y="2629554"/>
-            <a:ext cx="2546427" cy="485034"/>
-          </a:xfrm>
-          <a:prstGeom prst="rect">
-            <a:avLst/>
-          </a:prstGeom>
-        </p:spPr>
-      </p:pic>
-      <p:pic>
-        <p:nvPicPr>
-          <p:cNvPr id="5" name="그림 4"/>
-          <p:cNvPicPr>
-            <a:picLocks noChangeAspect="1"/>
-          </p:cNvPicPr>
-          <p:nvPr/>
-        </p:nvPicPr>
-        <p:blipFill>
-          <a:blip r:embed="rId3"/>
-          <a:stretch>
-            <a:fillRect/>
-          </a:stretch>
-        </p:blipFill>
-        <p:spPr>
-          <a:xfrm>
-            <a:off x="1192521" y="3114588"/>
-            <a:ext cx="2583413" cy="555434"/>
-          </a:xfrm>
-          <a:prstGeom prst="rect">
-            <a:avLst/>
-          </a:prstGeom>
-        </p:spPr>
-      </p:pic>
-      <p:pic>
-        <p:nvPicPr>
-          <p:cNvPr id="7" name="그림 6"/>
-          <p:cNvPicPr>
-            <a:picLocks noChangeAspect="1"/>
-          </p:cNvPicPr>
-          <p:nvPr/>
-        </p:nvPicPr>
-        <p:blipFill>
-          <a:blip r:embed="rId4"/>
-          <a:stretch>
-            <a:fillRect/>
-          </a:stretch>
-        </p:blipFill>
-        <p:spPr>
-          <a:xfrm>
-            <a:off x="1192521" y="4106061"/>
-            <a:ext cx="3924300" cy="1943100"/>
-          </a:xfrm>
-          <a:prstGeom prst="rect">
-            <a:avLst/>
-          </a:prstGeom>
-        </p:spPr>
-      </p:pic>
     </p:spTree>
     <p:extLst>
       <p:ext uri="{BB962C8B-B14F-4D97-AF65-F5344CB8AC3E}">
-        <p14:creationId xmlns:p14="http://schemas.microsoft.com/office/powerpoint/2010/main" val="4161093695"/>
+        <p14:creationId xmlns:p14="http://schemas.microsoft.com/office/powerpoint/2010/main" val="4275907472"/>
       </p:ext>
     </p:extLst>
   </p:cSld>
   <p:clrMapOvr>
     <a:masterClrMapping/>
   </p:clrMapOvr>
-  <p:timing>
-    <p:tnLst>
-      <p:par>
-        <p:cTn id="1" dur="indefinite" restart="never" nodeType="tmRoot"/>
-      </p:par>
-    </p:tnLst>
-  </p:timing>
 </p:sld>
 </file>
 
@@ -5248,15 +5755,15 @@
           <a:lstStyle/>
           <a:p>
             <a:r>
-              <a:rPr lang="en-US" altLang="ko-KR" dirty="0" smtClean="0"/>
+              <a:rPr lang="en-US" altLang="ko-KR" dirty="0"/>
               <a:t>NULL</a:t>
             </a:r>
             <a:r>
-              <a:rPr lang="ko-KR" altLang="en-US" smtClean="0"/>
+              <a:rPr lang="ko-KR" altLang="en-US"/>
               <a:t>의 정체는</a:t>
             </a:r>
             <a:r>
-              <a:rPr lang="en-US" altLang="ko-KR" dirty="0" smtClean="0"/>
+              <a:rPr lang="en-US" altLang="ko-KR" dirty="0"/>
               <a:t>?</a:t>
             </a:r>
             <a:endParaRPr lang="ko-KR" altLang="en-US"/>
@@ -5286,15 +5793,15 @@
           <a:lstStyle/>
           <a:p>
             <a:r>
-              <a:rPr lang="en-US" altLang="ko-KR" sz="2000" dirty="0" smtClean="0"/>
+              <a:rPr lang="en-US" altLang="ko-KR" sz="2000" dirty="0"/>
               <a:t>C++98 : 0 </a:t>
             </a:r>
             <a:r>
-              <a:rPr lang="ko-KR" altLang="en-US" sz="2000" smtClean="0"/>
+              <a:rPr lang="ko-KR" altLang="en-US" sz="2000"/>
               <a:t>또는 </a:t>
             </a:r>
             <a:r>
-              <a:rPr lang="en-US" altLang="ko-KR" sz="2000" dirty="0" smtClean="0"/>
+              <a:rPr lang="en-US" altLang="ko-KR" sz="2000" dirty="0"/>
               <a:t>0L</a:t>
             </a:r>
           </a:p>
@@ -5302,36 +5809,36 @@
             <a:endParaRPr lang="en-US" altLang="ko-KR" sz="2000" dirty="0"/>
           </a:p>
           <a:p>
-            <a:endParaRPr lang="en-US" altLang="ko-KR" sz="2000" dirty="0" smtClean="0"/>
-          </a:p>
-          <a:p>
             <a:endParaRPr lang="en-US" altLang="ko-KR" sz="2000" dirty="0"/>
           </a:p>
           <a:p>
-            <a:endParaRPr lang="en-US" altLang="ko-KR" sz="2000" dirty="0" smtClean="0"/>
-          </a:p>
-          <a:p>
             <a:endParaRPr lang="en-US" altLang="ko-KR" sz="2000" dirty="0"/>
           </a:p>
           <a:p>
-            <a:r>
-              <a:rPr lang="en-US" altLang="ko-KR" sz="2000" dirty="0" smtClean="0"/>
+            <a:endParaRPr lang="en-US" altLang="ko-KR" sz="2000" dirty="0"/>
+          </a:p>
+          <a:p>
+            <a:endParaRPr lang="en-US" altLang="ko-KR" sz="2000" dirty="0"/>
+          </a:p>
+          <a:p>
+            <a:r>
+              <a:rPr lang="en-US" altLang="ko-KR" sz="2000" dirty="0"/>
               <a:t>C++11 : 0 </a:t>
             </a:r>
             <a:r>
-              <a:rPr lang="ko-KR" altLang="en-US" sz="2000" smtClean="0"/>
+              <a:rPr lang="ko-KR" altLang="en-US" sz="2000"/>
               <a:t>또는 </a:t>
             </a:r>
             <a:r>
-              <a:rPr lang="en-US" altLang="ko-KR" sz="2000" dirty="0" smtClean="0"/>
+              <a:rPr lang="en-US" altLang="ko-KR" sz="2000" dirty="0"/>
               <a:t>0L </a:t>
             </a:r>
             <a:r>
-              <a:rPr lang="ko-KR" altLang="en-US" sz="2000" smtClean="0"/>
+              <a:rPr lang="ko-KR" altLang="en-US" sz="2000"/>
               <a:t>또는 </a:t>
             </a:r>
             <a:r>
-              <a:rPr lang="en-US" altLang="ko-KR" sz="2000" dirty="0" err="1" smtClean="0"/>
+              <a:rPr lang="en-US" altLang="ko-KR" sz="2000" dirty="0" err="1"/>
               <a:t>nullptr_t</a:t>
             </a:r>
             <a:endParaRPr lang="ko-KR" altLang="en-US" sz="2000" dirty="0"/>
@@ -5409,64 +5916,60 @@
           <a:lstStyle/>
           <a:p>
             <a:r>
-              <a:rPr lang="ko-KR" altLang="en-US" dirty="0" smtClean="0"/>
+              <a:rPr lang="ko-KR" altLang="en-US" dirty="0"/>
               <a:t>마지막 줄 해석</a:t>
             </a:r>
             <a:r>
-              <a:rPr lang="en-US" altLang="ko-KR" dirty="0" smtClean="0"/>
+              <a:rPr lang="en-US" altLang="ko-KR" dirty="0"/>
               <a:t>(by </a:t>
             </a:r>
             <a:r>
-              <a:rPr lang="ko-KR" altLang="en-US" smtClean="0"/>
+              <a:rPr lang="ko-KR" altLang="en-US"/>
               <a:t>구글</a:t>
             </a:r>
             <a:r>
-              <a:rPr lang="en-US" altLang="ko-KR" dirty="0" smtClean="0"/>
+              <a:rPr lang="en-US" altLang="ko-KR" dirty="0"/>
               <a:t>): </a:t>
             </a:r>
           </a:p>
           <a:p>
             <a:r>
-              <a:rPr lang="ko-KR" altLang="ko-KR" dirty="0" smtClean="0"/>
+              <a:rPr lang="ko-KR" altLang="ko-KR" dirty="0"/>
               <a:t>널 (null) 포인터 상수는</a:t>
             </a:r>
             <a:r>
-              <a:rPr lang="en-US" altLang="ko-KR" dirty="0" smtClean="0"/>
+              <a:rPr lang="en-US" altLang="ko-KR" dirty="0"/>
               <a:t> </a:t>
             </a:r>
             <a:r>
-              <a:rPr lang="ko-KR" altLang="ko-KR" smtClean="0"/>
+              <a:rPr lang="ko-KR" altLang="ko-KR"/>
               <a:t>널 </a:t>
             </a:r>
             <a:r>
-              <a:rPr lang="ko-KR" altLang="ko-KR" dirty="0" smtClean="0"/>
+              <a:rPr lang="ko-KR" altLang="ko-KR" dirty="0"/>
               <a:t>포인터 값을 얻는 모든 포인터 유형 (또는 멤버에 대한 포인터 유형)</a:t>
             </a:r>
             <a:r>
-              <a:rPr lang="ko-KR" altLang="ko-KR" dirty="0" err="1" smtClean="0"/>
+              <a:rPr lang="ko-KR" altLang="ko-KR" dirty="0" err="1"/>
               <a:t>으로</a:t>
             </a:r>
             <a:r>
-              <a:rPr lang="ko-KR" altLang="ko-KR" dirty="0" smtClean="0"/>
+              <a:rPr lang="ko-KR" altLang="ko-KR" dirty="0"/>
               <a:t> 변환 될 수 </a:t>
             </a:r>
             <a:r>
-              <a:rPr lang="ko-KR" altLang="ko-KR" smtClean="0"/>
+              <a:rPr lang="ko-KR" altLang="ko-KR"/>
               <a:t>있습니다.</a:t>
             </a:r>
-            <a:r>
-              <a:rPr lang="en-US" altLang="ko-KR" dirty="0" smtClean="0"/>
-              <a:t/>
-            </a:r>
             <a:br>
-              <a:rPr lang="en-US" altLang="ko-KR" dirty="0" smtClean="0"/>
+              <a:rPr lang="en-US" altLang="ko-KR" dirty="0"/>
             </a:br>
             <a:r>
-              <a:rPr lang="ko-KR" altLang="ko-KR" smtClean="0"/>
+              <a:rPr lang="ko-KR" altLang="ko-KR"/>
               <a:t>이것은 </a:t>
             </a:r>
             <a:r>
-              <a:rPr lang="ko-KR" altLang="ko-KR" dirty="0" smtClean="0"/>
+              <a:rPr lang="ko-KR" altLang="ko-KR" dirty="0"/>
               <a:t>포인터가 어떤 객체를 가리키고 있지 않음을 나타내는 특별한 값입니다.</a:t>
             </a:r>
             <a:endParaRPr lang="ko-KR" altLang="en-US" dirty="0"/>
@@ -5483,13 +5986,6 @@
   <p:clrMapOvr>
     <a:masterClrMapping/>
   </p:clrMapOvr>
-  <p:timing>
-    <p:tnLst>
-      <p:par>
-        <p:cTn id="1" dur="indefinite" restart="never" nodeType="tmRoot"/>
-      </p:par>
-    </p:tnLst>
-  </p:timing>
 </p:sld>
 </file>
 
@@ -5526,15 +6022,15 @@
           <a:lstStyle/>
           <a:p>
             <a:r>
-              <a:rPr lang="en-US" altLang="ko-KR" dirty="0" smtClean="0"/>
+              <a:rPr lang="en-US" altLang="ko-KR" dirty="0"/>
               <a:t>NULL : 0 </a:t>
             </a:r>
             <a:r>
-              <a:rPr lang="ko-KR" altLang="en-US" smtClean="0"/>
+              <a:rPr lang="ko-KR" altLang="en-US"/>
               <a:t>또는 </a:t>
             </a:r>
             <a:r>
-              <a:rPr lang="en-US" altLang="ko-KR" dirty="0" err="1" smtClean="0"/>
+              <a:rPr lang="en-US" altLang="ko-KR" dirty="0" err="1"/>
               <a:t>nullptr</a:t>
             </a:r>
             <a:endParaRPr lang="ko-KR" altLang="en-US"/>
@@ -5562,69 +6058,65 @@
           <a:lstStyle/>
           <a:p>
             <a:r>
-              <a:rPr lang="ko-KR" altLang="en-US" dirty="0" smtClean="0"/>
+              <a:rPr lang="ko-KR" altLang="en-US" dirty="0"/>
               <a:t>그때 그때 다르므로 좌측과 같은 코드에서</a:t>
             </a:r>
-            <a:r>
-              <a:rPr lang="en-US" altLang="ko-KR" dirty="0" smtClean="0"/>
-              <a:t/>
-            </a:r>
             <a:br>
-              <a:rPr lang="en-US" altLang="ko-KR" dirty="0" smtClean="0"/>
+              <a:rPr lang="en-US" altLang="ko-KR" dirty="0"/>
             </a:br>
             <a:r>
-              <a:rPr lang="ko-KR" altLang="en-US" smtClean="0"/>
+              <a:rPr lang="ko-KR" altLang="en-US"/>
               <a:t>어느 함수에 </a:t>
             </a:r>
             <a:r>
-              <a:rPr lang="ko-KR" altLang="en-US" dirty="0" smtClean="0"/>
+              <a:rPr lang="ko-KR" altLang="en-US" dirty="0"/>
               <a:t>진입할 지 알 수 없다</a:t>
             </a:r>
             <a:r>
-              <a:rPr lang="en-US" altLang="ko-KR" dirty="0" smtClean="0"/>
+              <a:rPr lang="en-US" altLang="ko-KR" dirty="0"/>
               <a:t>.</a:t>
             </a:r>
             <a:br>
-              <a:rPr lang="en-US" altLang="ko-KR" dirty="0" smtClean="0"/>
+              <a:rPr lang="en-US" altLang="ko-KR" dirty="0"/>
             </a:br>
             <a:r>
-              <a:rPr lang="en-US" altLang="ko-KR" sz="2000" dirty="0" smtClean="0"/>
+              <a:rPr lang="en-US" altLang="ko-KR" sz="2000" dirty="0"/>
               <a:t>(</a:t>
             </a:r>
             <a:r>
-              <a:rPr lang="ko-KR" altLang="en-US" sz="2000" smtClean="0"/>
+              <a:rPr lang="ko-KR" altLang="en-US" sz="2000"/>
               <a:t>물론 우리들의 환경에서는 </a:t>
             </a:r>
             <a:r>
-              <a:rPr lang="en-US" altLang="ko-KR" sz="2000" dirty="0" smtClean="0"/>
+              <a:rPr lang="en-US" altLang="ko-KR" sz="2000" dirty="0"/>
               <a:t>bool foo(</a:t>
             </a:r>
             <a:r>
-              <a:rPr lang="en-US" altLang="ko-KR" sz="2000" dirty="0" err="1" smtClean="0"/>
+              <a:rPr lang="en-US" altLang="ko-KR" sz="2000" dirty="0" err="1"/>
               <a:t>int</a:t>
             </a:r>
             <a:r>
-              <a:rPr lang="en-US" altLang="ko-KR" sz="2000" dirty="0" smtClean="0"/>
+              <a:rPr lang="en-US" altLang="ko-KR" sz="2000" dirty="0"/>
               <a:t> _</a:t>
             </a:r>
             <a:r>
-              <a:rPr lang="en-US" altLang="ko-KR" sz="2000" dirty="0" err="1" smtClean="0"/>
+              <a:rPr lang="en-US" altLang="ko-KR" sz="2000" dirty="0" err="1"/>
               <a:t>val</a:t>
             </a:r>
             <a:r>
-              <a:rPr lang="en-US" altLang="ko-KR" sz="2000" dirty="0" smtClean="0"/>
+              <a:rPr lang="en-US" altLang="ko-KR" sz="2000" dirty="0"/>
               <a:t>) </a:t>
             </a:r>
             <a:r>
-              <a:rPr lang="ko-KR" altLang="en-US" sz="2000" smtClean="0"/>
+              <a:rPr lang="ko-KR" altLang="en-US" sz="2000"/>
               <a:t>에 진입한다</a:t>
             </a:r>
             <a:r>
-              <a:rPr lang="en-US" altLang="ko-KR" sz="2000" dirty="0" smtClean="0"/>
+              <a:rPr lang="en-US" altLang="ko-KR" sz="2000" dirty="0"/>
               <a:t>.)</a:t>
             </a:r>
             <a:r>
-              <a:rPr lang="ko-KR" altLang="en-US" smtClean="0"/>
+              <a:rPr lang="ko-KR" altLang="en-US"/>
               <a:t> </a:t>
             </a:r>
             <a:endParaRPr lang="ko-KR" altLang="en-US" dirty="0"/>
@@ -5713,13 +6205,6 @@
   <p:clrMapOvr>
     <a:masterClrMapping/>
   </p:clrMapOvr>
-  <p:timing>
-    <p:tnLst>
-      <p:par>
-        <p:cTn id="1" dur="indefinite" restart="never" nodeType="tmRoot"/>
-      </p:par>
-    </p:tnLst>
-  </p:timing>
 </p:sld>
 </file>
 
@@ -5756,11 +6241,11 @@
           <a:lstStyle/>
           <a:p>
             <a:r>
-              <a:rPr lang="en-US" altLang="ko-KR" dirty="0" err="1" smtClean="0"/>
+              <a:rPr lang="en-US" altLang="ko-KR" dirty="0" err="1"/>
               <a:t>Nullptr</a:t>
             </a:r>
             <a:r>
-              <a:rPr lang="en-US" altLang="ko-KR" dirty="0" smtClean="0"/>
+              <a:rPr lang="en-US" altLang="ko-KR" dirty="0"/>
               <a:t>?</a:t>
             </a:r>
             <a:endParaRPr lang="ko-KR" altLang="en-US"/>
@@ -5788,23 +6273,23 @@
           <a:lstStyle/>
           <a:p>
             <a:r>
-              <a:rPr lang="en-US" altLang="ko-KR" dirty="0" smtClean="0"/>
+              <a:rPr lang="en-US" altLang="ko-KR" dirty="0"/>
               <a:t>auto</a:t>
             </a:r>
             <a:r>
-              <a:rPr lang="ko-KR" altLang="en-US" smtClean="0"/>
+              <a:rPr lang="ko-KR" altLang="en-US"/>
               <a:t>에게 물어봤다</a:t>
             </a:r>
             <a:r>
-              <a:rPr lang="en-US" altLang="ko-KR" dirty="0" smtClean="0"/>
+              <a:rPr lang="en-US" altLang="ko-KR" dirty="0"/>
               <a:t>. </a:t>
             </a:r>
             <a:r>
-              <a:rPr lang="ko-KR" altLang="en-US" smtClean="0"/>
+              <a:rPr lang="ko-KR" altLang="en-US"/>
               <a:t>→ </a:t>
             </a:r>
             <a:r>
-              <a:rPr lang="en-US" altLang="ko-KR" dirty="0" smtClean="0"/>
+              <a:rPr lang="en-US" altLang="ko-KR" dirty="0"/>
               <a:t>void*</a:t>
             </a:r>
           </a:p>
@@ -5812,45 +6297,41 @@
             <a:endParaRPr lang="en-US" altLang="ko-KR" dirty="0"/>
           </a:p>
           <a:p>
-            <a:endParaRPr lang="en-US" altLang="ko-KR" dirty="0" smtClean="0"/>
-          </a:p>
-          <a:p>
             <a:endParaRPr lang="en-US" altLang="ko-KR" dirty="0"/>
           </a:p>
           <a:p>
-            <a:r>
-              <a:rPr lang="en-US" altLang="ko-KR" dirty="0" err="1" smtClean="0"/>
+            <a:endParaRPr lang="en-US" altLang="ko-KR" dirty="0"/>
+          </a:p>
+          <a:p>
+            <a:r>
+              <a:rPr lang="en-US" altLang="ko-KR" dirty="0" err="1"/>
               <a:t>Nullptr</a:t>
             </a:r>
             <a:r>
-              <a:rPr lang="ko-KR" altLang="en-US" smtClean="0"/>
+              <a:rPr lang="ko-KR" altLang="en-US"/>
               <a:t>의 타입은 </a:t>
             </a:r>
             <a:r>
-              <a:rPr lang="en-US" altLang="ko-KR" dirty="0" err="1" smtClean="0"/>
+              <a:rPr lang="en-US" altLang="ko-KR" dirty="0" err="1"/>
               <a:t>nullptr_t</a:t>
             </a:r>
             <a:r>
               <a:rPr lang="en-US" altLang="ko-KR" dirty="0"/>
-              <a:t> </a:t>
-            </a:r>
-            <a:r>
-              <a:rPr lang="en-US" altLang="ko-KR" dirty="0" smtClean="0"/>
-              <a:t>: </a:t>
-            </a:r>
-            <a:r>
-              <a:rPr lang="ko-KR" altLang="en-US" smtClean="0"/>
+              <a:t> : </a:t>
+            </a:r>
+            <a:r>
+              <a:rPr lang="ko-KR" altLang="en-US"/>
               <a:t>오직 </a:t>
             </a:r>
             <a:r>
-              <a:rPr lang="en-US" altLang="ko-KR" dirty="0" err="1" smtClean="0"/>
+              <a:rPr lang="en-US" altLang="ko-KR" dirty="0" err="1"/>
               <a:t>nullptr</a:t>
             </a:r>
             <a:r>
-              <a:rPr lang="ko-KR" altLang="en-US" smtClean="0"/>
+              <a:rPr lang="ko-KR" altLang="en-US"/>
               <a:t>을 위해서 존재</a:t>
             </a:r>
-            <a:endParaRPr lang="en-US" altLang="ko-KR" dirty="0" smtClean="0"/>
+            <a:endParaRPr lang="en-US" altLang="ko-KR" dirty="0"/>
           </a:p>
         </p:txBody>
       </p:sp>
@@ -5936,13 +6417,6 @@
   <p:clrMapOvr>
     <a:masterClrMapping/>
   </p:clrMapOvr>
-  <p:timing>
-    <p:tnLst>
-      <p:par>
-        <p:cTn id="1" dur="indefinite" restart="never" nodeType="tmRoot"/>
-      </p:par>
-    </p:tnLst>
-  </p:timing>
 </p:sld>
 </file>
 
@@ -5979,15 +6453,15 @@
           <a:lstStyle/>
           <a:p>
             <a:r>
-              <a:rPr lang="ko-KR" altLang="en-US" dirty="0" smtClean="0"/>
+              <a:rPr lang="ko-KR" altLang="en-US" dirty="0"/>
               <a:t>그래서 왜 </a:t>
             </a:r>
             <a:r>
-              <a:rPr lang="en-US" altLang="ko-KR" dirty="0" err="1" smtClean="0"/>
+              <a:rPr lang="en-US" altLang="ko-KR" dirty="0" err="1"/>
               <a:t>nullptr</a:t>
             </a:r>
             <a:r>
-              <a:rPr lang="en-US" altLang="ko-KR" dirty="0" smtClean="0"/>
+              <a:rPr lang="en-US" altLang="ko-KR" dirty="0"/>
               <a:t>?</a:t>
             </a:r>
             <a:endParaRPr lang="ko-KR" altLang="en-US"/>
@@ -6010,47 +6484,47 @@
           <a:lstStyle/>
           <a:p>
             <a:r>
-              <a:rPr lang="ko-KR" altLang="en-US" dirty="0" smtClean="0"/>
+              <a:rPr lang="ko-KR" altLang="en-US" dirty="0"/>
               <a:t>책의 예시 </a:t>
             </a:r>
             <a:r>
-              <a:rPr lang="en-US" altLang="ko-KR" dirty="0" smtClean="0"/>
+              <a:rPr lang="en-US" altLang="ko-KR" dirty="0"/>
               <a:t>: </a:t>
             </a:r>
             <a:r>
-              <a:rPr lang="en-US" altLang="ko-KR" dirty="0" err="1" smtClean="0"/>
+              <a:rPr lang="en-US" altLang="ko-KR" dirty="0" err="1"/>
               <a:t>shared_ptr</a:t>
             </a:r>
             <a:r>
-              <a:rPr lang="en-US" altLang="ko-KR" dirty="0" smtClean="0"/>
+              <a:rPr lang="en-US" altLang="ko-KR" dirty="0"/>
               <a:t>, </a:t>
             </a:r>
             <a:r>
-              <a:rPr lang="en-US" altLang="ko-KR" dirty="0" err="1" smtClean="0"/>
+              <a:rPr lang="en-US" altLang="ko-KR" dirty="0" err="1"/>
               <a:t>unique_ptr</a:t>
             </a:r>
             <a:r>
-              <a:rPr lang="ko-KR" altLang="en-US" smtClean="0"/>
+              <a:rPr lang="ko-KR" altLang="en-US"/>
               <a:t>을 기다리고있는 </a:t>
             </a:r>
             <a:r>
-              <a:rPr lang="en-US" altLang="ko-KR" dirty="0" smtClean="0"/>
+              <a:rPr lang="en-US" altLang="ko-KR" dirty="0"/>
               <a:t>f1, f2</a:t>
             </a:r>
             <a:r>
-              <a:rPr lang="ko-KR" altLang="en-US" smtClean="0"/>
+              <a:rPr lang="ko-KR" altLang="en-US"/>
               <a:t>에 </a:t>
             </a:r>
             <a:r>
-              <a:rPr lang="en-US" altLang="ko-KR" dirty="0" err="1" smtClean="0"/>
+              <a:rPr lang="en-US" altLang="ko-KR" dirty="0" err="1"/>
               <a:t>int</a:t>
             </a:r>
             <a:r>
-              <a:rPr lang="ko-KR" altLang="en-US" smtClean="0"/>
+              <a:rPr lang="ko-KR" altLang="en-US"/>
               <a:t>가 들어가게 되어 타입 오류가 난다</a:t>
             </a:r>
             <a:r>
-              <a:rPr lang="en-US" altLang="ko-KR" dirty="0" smtClean="0"/>
+              <a:rPr lang="en-US" altLang="ko-KR" dirty="0"/>
               <a:t>.</a:t>
             </a:r>
             <a:endParaRPr lang="ko-KR" altLang="en-US" dirty="0"/>
@@ -6091,13 +6565,6 @@
   <p:clrMapOvr>
     <a:masterClrMapping/>
   </p:clrMapOvr>
-  <p:timing>
-    <p:tnLst>
-      <p:par>
-        <p:cTn id="1" dur="indefinite" restart="never" nodeType="tmRoot"/>
-      </p:par>
-    </p:tnLst>
-  </p:timing>
 </p:sld>
 </file>
 
@@ -6134,15 +6601,15 @@
           <a:lstStyle/>
           <a:p>
             <a:r>
-              <a:rPr lang="ko-KR" altLang="en-US" dirty="0" smtClean="0"/>
+              <a:rPr lang="ko-KR" altLang="en-US" dirty="0"/>
               <a:t>왜 오류가 </a:t>
             </a:r>
             <a:r>
-              <a:rPr lang="ko-KR" altLang="en-US" dirty="0" err="1" smtClean="0"/>
+              <a:rPr lang="ko-KR" altLang="en-US" dirty="0" err="1"/>
               <a:t>안날까</a:t>
             </a:r>
             <a:r>
-              <a:rPr lang="en-US" altLang="ko-KR" dirty="0" smtClean="0"/>
+              <a:rPr lang="en-US" altLang="ko-KR" dirty="0"/>
               <a:t>?</a:t>
             </a:r>
             <a:endParaRPr lang="ko-KR" altLang="en-US"/>
@@ -6165,39 +6632,39 @@
           <a:lstStyle/>
           <a:p>
             <a:r>
-              <a:rPr lang="en-US" altLang="ko-KR" dirty="0" err="1" smtClean="0"/>
+              <a:rPr lang="en-US" altLang="ko-KR" dirty="0" err="1"/>
               <a:t>nullptr_t</a:t>
             </a:r>
             <a:r>
-              <a:rPr lang="ko-KR" altLang="en-US" smtClean="0"/>
+              <a:rPr lang="ko-KR" altLang="en-US"/>
               <a:t>에서 암묵적으로 </a:t>
             </a:r>
             <a:r>
-              <a:rPr lang="en-US" altLang="ko-KR" dirty="0" smtClean="0"/>
+              <a:rPr lang="en-US" altLang="ko-KR" dirty="0"/>
               <a:t>Widget*, </a:t>
             </a:r>
             <a:r>
-              <a:rPr lang="en-US" altLang="ko-KR" dirty="0" err="1" smtClean="0"/>
+              <a:rPr lang="en-US" altLang="ko-KR" dirty="0" err="1"/>
               <a:t>unique_ptr</a:t>
             </a:r>
             <a:r>
-              <a:rPr lang="en-US" altLang="ko-KR" dirty="0" smtClean="0"/>
+              <a:rPr lang="en-US" altLang="ko-KR" dirty="0"/>
               <a:t>&lt;Widget&gt;, </a:t>
             </a:r>
             <a:r>
-              <a:rPr lang="en-US" altLang="ko-KR" dirty="0" err="1" smtClean="0"/>
+              <a:rPr lang="en-US" altLang="ko-KR" dirty="0" err="1"/>
               <a:t>shared_ptr</a:t>
             </a:r>
             <a:r>
-              <a:rPr lang="en-US" altLang="ko-KR" dirty="0" smtClean="0"/>
+              <a:rPr lang="en-US" altLang="ko-KR" dirty="0"/>
               <a:t>&lt;Widget&gt;</a:t>
             </a:r>
             <a:r>
-              <a:rPr lang="ko-KR" altLang="en-US" smtClean="0"/>
+              <a:rPr lang="ko-KR" altLang="en-US"/>
               <a:t>으로 변환이 가능하기 때문이다</a:t>
             </a:r>
             <a:r>
-              <a:rPr lang="en-US" altLang="ko-KR" dirty="0" smtClean="0"/>
+              <a:rPr lang="en-US" altLang="ko-KR" dirty="0"/>
               <a:t>.</a:t>
             </a:r>
           </a:p>
@@ -6206,62 +6673,62 @@
           </a:p>
           <a:p>
             <a:r>
-              <a:rPr lang="ko-KR" altLang="en-US" dirty="0" smtClean="0"/>
+              <a:rPr lang="ko-KR" altLang="en-US" dirty="0"/>
               <a:t>따라서 포인터의 비어있는 값을 나타내고 싶다면 </a:t>
             </a:r>
             <a:r>
-              <a:rPr lang="en-US" altLang="ko-KR" dirty="0" err="1" smtClean="0"/>
+              <a:rPr lang="en-US" altLang="ko-KR" dirty="0" err="1"/>
               <a:t>nullptr</a:t>
             </a:r>
             <a:r>
-              <a:rPr lang="ko-KR" altLang="en-US" smtClean="0"/>
+              <a:rPr lang="ko-KR" altLang="en-US"/>
               <a:t>을 쓰자</a:t>
             </a:r>
             <a:r>
-              <a:rPr lang="en-US" altLang="ko-KR" dirty="0" smtClean="0"/>
+              <a:rPr lang="en-US" altLang="ko-KR" dirty="0"/>
               <a:t>.</a:t>
             </a:r>
             <a:br>
-              <a:rPr lang="en-US" altLang="ko-KR" dirty="0" smtClean="0"/>
+              <a:rPr lang="en-US" altLang="ko-KR" dirty="0"/>
             </a:br>
             <a:r>
-              <a:rPr lang="en-US" altLang="ko-KR" dirty="0" smtClean="0"/>
+              <a:rPr lang="en-US" altLang="ko-KR" dirty="0"/>
               <a:t>(</a:t>
             </a:r>
             <a:r>
-              <a:rPr lang="ko-KR" altLang="en-US" smtClean="0"/>
+              <a:rPr lang="ko-KR" altLang="en-US"/>
               <a:t>구구절절히 설명했지만 </a:t>
             </a:r>
             <a:r>
-              <a:rPr lang="en-US" altLang="ko-KR" dirty="0" smtClean="0"/>
+              <a:rPr lang="en-US" altLang="ko-KR" dirty="0"/>
               <a:t>“</a:t>
             </a:r>
             <a:r>
-              <a:rPr lang="en-US" altLang="ko-KR" dirty="0" err="1" smtClean="0"/>
+              <a:rPr lang="en-US" altLang="ko-KR" dirty="0" err="1"/>
               <a:t>nullptr</a:t>
             </a:r>
             <a:r>
-              <a:rPr lang="ko-KR" altLang="en-US" smtClean="0"/>
+              <a:rPr lang="ko-KR" altLang="en-US"/>
               <a:t>은 명확하게 빈 포인터를 나타내고 </a:t>
             </a:r>
             <a:r>
-              <a:rPr lang="en-US" altLang="ko-KR" dirty="0" smtClean="0"/>
+              <a:rPr lang="en-US" altLang="ko-KR" dirty="0"/>
               <a:t>0, NULL</a:t>
             </a:r>
             <a:r>
-              <a:rPr lang="ko-KR" altLang="en-US" smtClean="0"/>
+              <a:rPr lang="ko-KR" altLang="en-US"/>
               <a:t>은 명확하지 않기 때문</a:t>
             </a:r>
             <a:r>
-              <a:rPr lang="en-US" altLang="ko-KR" dirty="0" smtClean="0"/>
+              <a:rPr lang="en-US" altLang="ko-KR" dirty="0"/>
               <a:t>”</a:t>
             </a:r>
             <a:r>
-              <a:rPr lang="ko-KR" altLang="en-US" smtClean="0"/>
+              <a:rPr lang="ko-KR" altLang="en-US"/>
               <a:t>이라고 한줄 요약이 가능</a:t>
             </a:r>
             <a:r>
-              <a:rPr lang="en-US" altLang="ko-KR" dirty="0" smtClean="0"/>
+              <a:rPr lang="en-US" altLang="ko-KR" dirty="0"/>
               <a:t>)</a:t>
             </a:r>
             <a:endParaRPr lang="ko-KR" altLang="en-US"/>
@@ -6314,19 +6781,19 @@
           <a:lstStyle/>
           <a:p>
             <a:r>
-              <a:rPr lang="en-US" altLang="ko-KR" dirty="0" err="1" smtClean="0"/>
+              <a:rPr lang="en-US" altLang="ko-KR" dirty="0" err="1"/>
               <a:t>Const</a:t>
             </a:r>
             <a:r>
-              <a:rPr lang="en-US" altLang="ko-KR" dirty="0" smtClean="0"/>
+              <a:rPr lang="en-US" altLang="ko-KR" dirty="0"/>
               <a:t> </a:t>
             </a:r>
             <a:r>
-              <a:rPr lang="ko-KR" altLang="en-US" smtClean="0"/>
+              <a:rPr lang="ko-KR" altLang="en-US"/>
               <a:t>멤버함수는 스레드 세이프하게</a:t>
             </a:r>
             <a:r>
-              <a:rPr lang="en-US" altLang="ko-KR" dirty="0" smtClean="0"/>
+              <a:rPr lang="en-US" altLang="ko-KR" dirty="0"/>
               <a:t>!</a:t>
             </a:r>
             <a:endParaRPr lang="ko-KR" altLang="en-US"/>
@@ -6349,93 +6816,85 @@
           <a:lstStyle/>
           <a:p>
             <a:r>
-              <a:rPr lang="ko-KR" altLang="en-US" dirty="0" smtClean="0"/>
+              <a:rPr lang="ko-KR" altLang="en-US" dirty="0"/>
               <a:t>우리 프로젝트에서도 종종 볼 수 있는 레이스 컨디션을 막아야 한다</a:t>
             </a:r>
             <a:r>
-              <a:rPr lang="en-US" altLang="ko-KR" dirty="0" smtClean="0"/>
+              <a:rPr lang="en-US" altLang="ko-KR" dirty="0"/>
               <a:t>.</a:t>
             </a:r>
           </a:p>
           <a:p>
             <a:r>
-              <a:rPr lang="ko-KR" altLang="en-US" dirty="0" smtClean="0"/>
+              <a:rPr lang="ko-KR" altLang="en-US" dirty="0"/>
               <a:t>이 항목 </a:t>
             </a:r>
             <a:r>
-              <a:rPr lang="en-US" altLang="ko-KR" dirty="0" smtClean="0"/>
+              <a:rPr lang="en-US" altLang="ko-KR" dirty="0"/>
               <a:t>17</a:t>
             </a:r>
             <a:r>
-              <a:rPr lang="ko-KR" altLang="en-US" smtClean="0"/>
+              <a:rPr lang="ko-KR" altLang="en-US"/>
               <a:t>도 문장이 함축적이다</a:t>
             </a:r>
             <a:r>
-              <a:rPr lang="en-US" altLang="ko-KR" dirty="0" smtClean="0"/>
+              <a:rPr lang="en-US" altLang="ko-KR" dirty="0"/>
               <a:t>.</a:t>
             </a:r>
             <a:r>
-              <a:rPr lang="ko-KR" altLang="en-US" smtClean="0"/>
+              <a:rPr lang="ko-KR" altLang="en-US"/>
               <a:t> 풀어서 이야기해야 한다</a:t>
             </a:r>
             <a:r>
-              <a:rPr lang="en-US" altLang="ko-KR" dirty="0" smtClean="0"/>
+              <a:rPr lang="en-US" altLang="ko-KR" dirty="0"/>
               <a:t>.</a:t>
             </a:r>
             <a:br>
-              <a:rPr lang="en-US" altLang="ko-KR" dirty="0" smtClean="0"/>
+              <a:rPr lang="en-US" altLang="ko-KR" dirty="0"/>
             </a:br>
-            <a:r>
-              <a:rPr lang="en-US" altLang="ko-KR" dirty="0" smtClean="0"/>
-              <a:t/>
-            </a:r>
             <a:br>
-              <a:rPr lang="en-US" altLang="ko-KR" dirty="0" smtClean="0"/>
+              <a:rPr lang="en-US" altLang="ko-KR" dirty="0"/>
             </a:br>
             <a:r>
-              <a:rPr lang="ko-KR" altLang="en-US" sz="2400" smtClean="0"/>
+              <a:rPr lang="ko-KR" altLang="en-US" sz="2400"/>
               <a:t>여러 스레드에서 한 멤버함수에 동시에 접근하는 상황에서</a:t>
             </a:r>
-            <a:r>
-              <a:rPr lang="en-US" altLang="ko-KR" sz="2400" dirty="0" smtClean="0"/>
-              <a:t/>
-            </a:r>
             <a:br>
-              <a:rPr lang="en-US" altLang="ko-KR" sz="2400" dirty="0" smtClean="0"/>
+              <a:rPr lang="en-US" altLang="ko-KR" sz="2400" dirty="0"/>
             </a:br>
             <a:r>
-              <a:rPr lang="ko-KR" altLang="en-US" sz="2400" smtClean="0"/>
+              <a:rPr lang="ko-KR" altLang="en-US" sz="2400"/>
               <a:t>해당 멤버함수가 </a:t>
             </a:r>
             <a:r>
-              <a:rPr lang="en-US" altLang="ko-KR" sz="2400" dirty="0" err="1" smtClean="0"/>
+              <a:rPr lang="en-US" altLang="ko-KR" sz="2400" dirty="0" err="1"/>
               <a:t>const</a:t>
             </a:r>
             <a:r>
-              <a:rPr lang="ko-KR" altLang="en-US" sz="2400" smtClean="0"/>
+              <a:rPr lang="ko-KR" altLang="en-US" sz="2400"/>
               <a:t>이면 멤버변수가 변하지 않을 것으로 판단하므로 스레드 세이프하다고 판단할 수 있다</a:t>
             </a:r>
             <a:r>
-              <a:rPr lang="en-US" altLang="ko-KR" sz="2400" dirty="0" smtClean="0"/>
+              <a:rPr lang="en-US" altLang="ko-KR" sz="2400" dirty="0"/>
               <a:t>.</a:t>
             </a:r>
             <a:br>
-              <a:rPr lang="en-US" altLang="ko-KR" sz="2400" dirty="0" smtClean="0"/>
+              <a:rPr lang="en-US" altLang="ko-KR" sz="2400" dirty="0"/>
             </a:br>
             <a:r>
-              <a:rPr lang="ko-KR" altLang="en-US" sz="2400" smtClean="0"/>
+              <a:rPr lang="ko-KR" altLang="en-US" sz="2400"/>
               <a:t>하지만 </a:t>
             </a:r>
             <a:r>
-              <a:rPr lang="en-US" altLang="ko-KR" sz="2400" dirty="0" smtClean="0"/>
+              <a:rPr lang="en-US" altLang="ko-KR" sz="2400" dirty="0"/>
               <a:t>mutable</a:t>
             </a:r>
             <a:r>
-              <a:rPr lang="ko-KR" altLang="en-US" sz="2400" smtClean="0"/>
+              <a:rPr lang="ko-KR" altLang="en-US" sz="2400"/>
               <a:t>과 같은 키워드를 사용하면 스레드 세이프 하지 않게 되므로 주의하자</a:t>
             </a:r>
             <a:r>
-              <a:rPr lang="en-US" altLang="ko-KR" sz="2400" dirty="0" smtClean="0"/>
+              <a:rPr lang="en-US" altLang="ko-KR" sz="2400" dirty="0"/>
               <a:t>.</a:t>
             </a:r>
             <a:endParaRPr lang="ko-KR" altLang="en-US" sz="2400"/>
@@ -6488,11 +6947,11 @@
           <a:lstStyle/>
           <a:p>
             <a:r>
-              <a:rPr lang="ko-KR" altLang="en-US" dirty="0" smtClean="0"/>
+              <a:rPr lang="ko-KR" altLang="en-US" dirty="0"/>
               <a:t>이 항목의 대부분의 내용은</a:t>
             </a:r>
             <a:r>
-              <a:rPr lang="en-US" altLang="ko-KR" dirty="0" smtClean="0"/>
+              <a:rPr lang="en-US" altLang="ko-KR" dirty="0"/>
               <a:t>?</a:t>
             </a:r>
             <a:endParaRPr lang="ko-KR" altLang="en-US"/>
@@ -6515,67 +6974,67 @@
           <a:lstStyle/>
           <a:p>
             <a:r>
-              <a:rPr lang="ko-KR" altLang="en-US" dirty="0" smtClean="0"/>
+              <a:rPr lang="ko-KR" altLang="en-US" dirty="0"/>
               <a:t>사실 앞 페이지에서 모든 결론이 나와버렸다</a:t>
             </a:r>
             <a:r>
-              <a:rPr lang="en-US" altLang="ko-KR" dirty="0" smtClean="0"/>
+              <a:rPr lang="en-US" altLang="ko-KR" dirty="0"/>
               <a:t>.</a:t>
             </a:r>
             <a:br>
-              <a:rPr lang="en-US" altLang="ko-KR" dirty="0" smtClean="0"/>
+              <a:rPr lang="en-US" altLang="ko-KR" dirty="0"/>
             </a:br>
             <a:r>
-              <a:rPr lang="en-US" altLang="ko-KR" dirty="0" err="1" smtClean="0"/>
+              <a:rPr lang="en-US" altLang="ko-KR" dirty="0" err="1"/>
               <a:t>Const</a:t>
             </a:r>
             <a:r>
-              <a:rPr lang="en-US" altLang="ko-KR" dirty="0" smtClean="0"/>
+              <a:rPr lang="en-US" altLang="ko-KR" dirty="0"/>
               <a:t> </a:t>
             </a:r>
             <a:r>
-              <a:rPr lang="ko-KR" altLang="en-US" smtClean="0"/>
+              <a:rPr lang="ko-KR" altLang="en-US"/>
               <a:t>함수에서 </a:t>
             </a:r>
             <a:r>
-              <a:rPr lang="en-US" altLang="ko-KR" dirty="0" smtClean="0"/>
+              <a:rPr lang="en-US" altLang="ko-KR" dirty="0"/>
               <a:t>mutable</a:t>
             </a:r>
             <a:r>
-              <a:rPr lang="ko-KR" altLang="en-US" smtClean="0"/>
+              <a:rPr lang="ko-KR" altLang="en-US"/>
               <a:t>변수로 상태가 변하게 하고 해당 변수에 접근하는 경우 당연히 문제가 생긴다</a:t>
             </a:r>
             <a:r>
-              <a:rPr lang="en-US" altLang="ko-KR" dirty="0" smtClean="0"/>
+              <a:rPr lang="en-US" altLang="ko-KR" dirty="0"/>
               <a:t>…</a:t>
             </a:r>
           </a:p>
           <a:p>
-            <a:endParaRPr lang="en-US" altLang="ko-KR" dirty="0" smtClean="0"/>
-          </a:p>
-          <a:p>
-            <a:r>
-              <a:rPr lang="ko-KR" altLang="en-US" dirty="0" smtClean="0"/>
+            <a:endParaRPr lang="en-US" altLang="ko-KR" dirty="0"/>
+          </a:p>
+          <a:p>
+            <a:r>
+              <a:rPr lang="ko-KR" altLang="en-US" dirty="0"/>
               <a:t>그래서 </a:t>
             </a:r>
             <a:r>
-              <a:rPr lang="ko-KR" altLang="en-US" dirty="0" err="1" smtClean="0"/>
+              <a:rPr lang="ko-KR" altLang="en-US" dirty="0" err="1"/>
               <a:t>스레드</a:t>
             </a:r>
             <a:r>
-              <a:rPr lang="ko-KR" altLang="en-US" dirty="0" smtClean="0"/>
+              <a:rPr lang="ko-KR" altLang="en-US" dirty="0"/>
               <a:t> 세이프하게 바꾸려면 어떻게 해야 할까</a:t>
             </a:r>
             <a:r>
-              <a:rPr lang="en-US" altLang="ko-KR" dirty="0" smtClean="0"/>
+              <a:rPr lang="en-US" altLang="ko-KR" dirty="0"/>
               <a:t>? </a:t>
             </a:r>
             <a:r>
-              <a:rPr lang="ko-KR" altLang="en-US" smtClean="0"/>
+              <a:rPr lang="ko-KR" altLang="en-US"/>
               <a:t>라는 것이 이 항목의 대부분의 내용이다</a:t>
             </a:r>
             <a:r>
-              <a:rPr lang="en-US" altLang="ko-KR" dirty="0" smtClean="0"/>
+              <a:rPr lang="en-US" altLang="ko-KR" dirty="0"/>
               <a:t>.</a:t>
             </a:r>
             <a:endParaRPr lang="ko-KR" altLang="en-US" dirty="0"/>
